--- a/!Document/발표자료/sourgrape0822.pptx
+++ b/!Document/발표자료/sourgrape0822.pptx
@@ -5,7 +5,7 @@
     <p:sldMasterId id="2147483648" r:id="rId1"/>
   </p:sldMasterIdLst>
   <p:notesMasterIdLst>
-    <p:notesMasterId r:id="rId25"/>
+    <p:notesMasterId r:id="rId27"/>
   </p:notesMasterIdLst>
   <p:sldIdLst>
     <p:sldId id="271" r:id="rId2"/>
@@ -14,41 +14,43 @@
     <p:sldId id="332" r:id="rId5"/>
     <p:sldId id="337" r:id="rId6"/>
     <p:sldId id="350" r:id="rId7"/>
-    <p:sldId id="339" r:id="rId8"/>
-    <p:sldId id="341" r:id="rId9"/>
-    <p:sldId id="340" r:id="rId10"/>
-    <p:sldId id="342" r:id="rId11"/>
-    <p:sldId id="343" r:id="rId12"/>
-    <p:sldId id="344" r:id="rId13"/>
-    <p:sldId id="338" r:id="rId14"/>
-    <p:sldId id="300" r:id="rId15"/>
-    <p:sldId id="329" r:id="rId16"/>
-    <p:sldId id="345" r:id="rId17"/>
-    <p:sldId id="346" r:id="rId18"/>
-    <p:sldId id="349" r:id="rId19"/>
-    <p:sldId id="347" r:id="rId20"/>
-    <p:sldId id="348" r:id="rId21"/>
-    <p:sldId id="351" r:id="rId22"/>
-    <p:sldId id="308" r:id="rId23"/>
-    <p:sldId id="285" r:id="rId24"/>
+    <p:sldId id="352" r:id="rId8"/>
+    <p:sldId id="339" r:id="rId9"/>
+    <p:sldId id="341" r:id="rId10"/>
+    <p:sldId id="340" r:id="rId11"/>
+    <p:sldId id="342" r:id="rId12"/>
+    <p:sldId id="343" r:id="rId13"/>
+    <p:sldId id="344" r:id="rId14"/>
+    <p:sldId id="353" r:id="rId15"/>
+    <p:sldId id="338" r:id="rId16"/>
+    <p:sldId id="300" r:id="rId17"/>
+    <p:sldId id="329" r:id="rId18"/>
+    <p:sldId id="345" r:id="rId19"/>
+    <p:sldId id="346" r:id="rId20"/>
+    <p:sldId id="349" r:id="rId21"/>
+    <p:sldId id="347" r:id="rId22"/>
+    <p:sldId id="348" r:id="rId23"/>
+    <p:sldId id="351" r:id="rId24"/>
+    <p:sldId id="308" r:id="rId25"/>
+    <p:sldId id="285" r:id="rId26"/>
   </p:sldIdLst>
   <p:sldSz cx="9144000" cy="6858000" type="screen4x3"/>
   <p:notesSz cx="6805613" cy="9939338"/>
   <p:embeddedFontLst>
     <p:embeddedFont>
-      <p:font typeface="나눔고딕 ExtraBold" panose="020D0904000000000000" charset="-127"/>
-      <p:regular r:id="rId26"/>
-      <p:bold r:id="rId27"/>
-    </p:embeddedFont>
-    <p:embeddedFont>
-      <p:font typeface="맑은 고딕" panose="020B0503020000020004" pitchFamily="50" charset="-127"/>
+      <p:font typeface="나눔고딕" panose="020B0600000101010101" charset="-127"/>
       <p:regular r:id="rId28"/>
       <p:bold r:id="rId29"/>
     </p:embeddedFont>
     <p:embeddedFont>
-      <p:font typeface="나눔고딕" panose="020B0600000101010101" charset="-127"/>
+      <p:font typeface="나눔고딕 ExtraBold" panose="020D0904000000000000" charset="-127"/>
       <p:regular r:id="rId30"/>
       <p:bold r:id="rId31"/>
+    </p:embeddedFont>
+    <p:embeddedFont>
+      <p:font typeface="맑은 고딕" panose="020B0503020000020004" pitchFamily="50" charset="-127"/>
+      <p:regular r:id="rId32"/>
+      <p:bold r:id="rId33"/>
     </p:embeddedFont>
   </p:embeddedFontLst>
   <p:defaultTextStyle>
@@ -248,7 +250,7 @@
             <a:fld id="{8FE3A397-4DC3-46CE-9AE3-45BE39C97A59}" type="datetimeFigureOut">
               <a:rPr lang="ko-KR" altLang="en-US" smtClean="0"/>
               <a:pPr/>
-              <a:t>2016-08-22</a:t>
+              <a:t>2016-08-23</a:t>
             </a:fld>
             <a:endParaRPr lang="ko-KR" altLang="en-US"/>
           </a:p>
@@ -664,7 +666,7 @@
             <a:fld id="{ABDF5DD3-10C4-4F53-9E08-2A05AD183D37}" type="slidenum">
               <a:rPr lang="ko-KR" altLang="en-US" smtClean="0"/>
               <a:pPr/>
-              <a:t>15</a:t>
+              <a:t>14</a:t>
             </a:fld>
             <a:endParaRPr lang="ko-KR" altLang="en-US"/>
           </a:p>
@@ -673,7 +675,7 @@
     </p:spTree>
     <p:extLst>
       <p:ext uri="{BB962C8B-B14F-4D97-AF65-F5344CB8AC3E}">
-        <p14:creationId xmlns:p14="http://schemas.microsoft.com/office/powerpoint/2010/main" val="1715075351"/>
+        <p14:creationId xmlns:p14="http://schemas.microsoft.com/office/powerpoint/2010/main" val="630766361"/>
       </p:ext>
     </p:extLst>
   </p:cSld>
@@ -749,7 +751,7 @@
             <a:fld id="{ABDF5DD3-10C4-4F53-9E08-2A05AD183D37}" type="slidenum">
               <a:rPr lang="ko-KR" altLang="en-US" smtClean="0"/>
               <a:pPr/>
-              <a:t>16</a:t>
+              <a:t>15</a:t>
             </a:fld>
             <a:endParaRPr lang="ko-KR" altLang="en-US"/>
           </a:p>
@@ -758,7 +760,7 @@
     </p:spTree>
     <p:extLst>
       <p:ext uri="{BB962C8B-B14F-4D97-AF65-F5344CB8AC3E}">
-        <p14:creationId xmlns:p14="http://schemas.microsoft.com/office/powerpoint/2010/main" val="1174453832"/>
+        <p14:creationId xmlns:p14="http://schemas.microsoft.com/office/powerpoint/2010/main" val="524224441"/>
       </p:ext>
     </p:extLst>
   </p:cSld>
@@ -843,7 +845,7 @@
     </p:spTree>
     <p:extLst>
       <p:ext uri="{BB962C8B-B14F-4D97-AF65-F5344CB8AC3E}">
-        <p14:creationId xmlns:p14="http://schemas.microsoft.com/office/powerpoint/2010/main" val="3290408678"/>
+        <p14:creationId xmlns:p14="http://schemas.microsoft.com/office/powerpoint/2010/main" val="1715075351"/>
       </p:ext>
     </p:extLst>
   </p:cSld>
@@ -928,7 +930,7 @@
     </p:spTree>
     <p:extLst>
       <p:ext uri="{BB962C8B-B14F-4D97-AF65-F5344CB8AC3E}">
-        <p14:creationId xmlns:p14="http://schemas.microsoft.com/office/powerpoint/2010/main" val="1426109671"/>
+        <p14:creationId xmlns:p14="http://schemas.microsoft.com/office/powerpoint/2010/main" val="1174453832"/>
       </p:ext>
     </p:extLst>
   </p:cSld>
@@ -1013,7 +1015,7 @@
     </p:spTree>
     <p:extLst>
       <p:ext uri="{BB962C8B-B14F-4D97-AF65-F5344CB8AC3E}">
-        <p14:creationId xmlns:p14="http://schemas.microsoft.com/office/powerpoint/2010/main" val="2515480066"/>
+        <p14:creationId xmlns:p14="http://schemas.microsoft.com/office/powerpoint/2010/main" val="3290408678"/>
       </p:ext>
     </p:extLst>
   </p:cSld>
@@ -1098,7 +1100,7 @@
     </p:spTree>
     <p:extLst>
       <p:ext uri="{BB962C8B-B14F-4D97-AF65-F5344CB8AC3E}">
-        <p14:creationId xmlns:p14="http://schemas.microsoft.com/office/powerpoint/2010/main" val="2817801827"/>
+        <p14:creationId xmlns:p14="http://schemas.microsoft.com/office/powerpoint/2010/main" val="1426109671"/>
       </p:ext>
     </p:extLst>
   </p:cSld>
@@ -1175,6 +1177,176 @@
               <a:rPr lang="ko-KR" altLang="en-US" smtClean="0"/>
               <a:pPr/>
               <a:t>21</a:t>
+            </a:fld>
+            <a:endParaRPr lang="ko-KR" altLang="en-US"/>
+          </a:p>
+        </p:txBody>
+      </p:sp>
+    </p:spTree>
+    <p:extLst>
+      <p:ext uri="{BB962C8B-B14F-4D97-AF65-F5344CB8AC3E}">
+        <p14:creationId xmlns:p14="http://schemas.microsoft.com/office/powerpoint/2010/main" val="2515480066"/>
+      </p:ext>
+    </p:extLst>
+  </p:cSld>
+  <p:clrMapOvr>
+    <a:masterClrMapping/>
+  </p:clrMapOvr>
+</p:notes>
+</file>
+
+<file path=ppt/notesSlides/notesSlide17.xml><?xml version="1.0" encoding="utf-8"?>
+<p:notes xmlns:a="http://schemas.openxmlformats.org/drawingml/2006/main" xmlns:r="http://schemas.openxmlformats.org/officeDocument/2006/relationships" xmlns:p="http://schemas.openxmlformats.org/presentationml/2006/main">
+  <p:cSld>
+    <p:spTree>
+      <p:nvGrpSpPr>
+        <p:cNvPr id="1" name=""/>
+        <p:cNvGrpSpPr/>
+        <p:nvPr/>
+      </p:nvGrpSpPr>
+      <p:grpSpPr>
+        <a:xfrm>
+          <a:off x="0" y="0"/>
+          <a:ext cx="0" cy="0"/>
+          <a:chOff x="0" y="0"/>
+          <a:chExt cx="0" cy="0"/>
+        </a:xfrm>
+      </p:grpSpPr>
+      <p:sp>
+        <p:nvSpPr>
+          <p:cNvPr id="2" name="슬라이드 이미지 개체 틀 1"/>
+          <p:cNvSpPr>
+            <a:spLocks noGrp="1" noRot="1" noChangeAspect="1"/>
+          </p:cNvSpPr>
+          <p:nvPr>
+            <p:ph type="sldImg"/>
+          </p:nvPr>
+        </p:nvSpPr>
+        <p:spPr/>
+      </p:sp>
+      <p:sp>
+        <p:nvSpPr>
+          <p:cNvPr id="3" name="슬라이드 노트 개체 틀 2"/>
+          <p:cNvSpPr>
+            <a:spLocks noGrp="1"/>
+          </p:cNvSpPr>
+          <p:nvPr>
+            <p:ph type="body" idx="1"/>
+          </p:nvPr>
+        </p:nvSpPr>
+        <p:spPr/>
+        <p:txBody>
+          <a:bodyPr/>
+          <a:lstStyle/>
+          <a:p>
+            <a:endParaRPr lang="ko-KR" altLang="en-US" dirty="0"/>
+          </a:p>
+        </p:txBody>
+      </p:sp>
+      <p:sp>
+        <p:nvSpPr>
+          <p:cNvPr id="4" name="슬라이드 번호 개체 틀 3"/>
+          <p:cNvSpPr>
+            <a:spLocks noGrp="1"/>
+          </p:cNvSpPr>
+          <p:nvPr>
+            <p:ph type="sldNum" sz="quarter" idx="10"/>
+          </p:nvPr>
+        </p:nvSpPr>
+        <p:spPr/>
+        <p:txBody>
+          <a:bodyPr/>
+          <a:lstStyle/>
+          <a:p>
+            <a:fld id="{ABDF5DD3-10C4-4F53-9E08-2A05AD183D37}" type="slidenum">
+              <a:rPr lang="ko-KR" altLang="en-US" smtClean="0"/>
+              <a:pPr/>
+              <a:t>22</a:t>
+            </a:fld>
+            <a:endParaRPr lang="ko-KR" altLang="en-US"/>
+          </a:p>
+        </p:txBody>
+      </p:sp>
+    </p:spTree>
+    <p:extLst>
+      <p:ext uri="{BB962C8B-B14F-4D97-AF65-F5344CB8AC3E}">
+        <p14:creationId xmlns:p14="http://schemas.microsoft.com/office/powerpoint/2010/main" val="2817801827"/>
+      </p:ext>
+    </p:extLst>
+  </p:cSld>
+  <p:clrMapOvr>
+    <a:masterClrMapping/>
+  </p:clrMapOvr>
+</p:notes>
+</file>
+
+<file path=ppt/notesSlides/notesSlide18.xml><?xml version="1.0" encoding="utf-8"?>
+<p:notes xmlns:a="http://schemas.openxmlformats.org/drawingml/2006/main" xmlns:r="http://schemas.openxmlformats.org/officeDocument/2006/relationships" xmlns:p="http://schemas.openxmlformats.org/presentationml/2006/main">
+  <p:cSld>
+    <p:spTree>
+      <p:nvGrpSpPr>
+        <p:cNvPr id="1" name=""/>
+        <p:cNvGrpSpPr/>
+        <p:nvPr/>
+      </p:nvGrpSpPr>
+      <p:grpSpPr>
+        <a:xfrm>
+          <a:off x="0" y="0"/>
+          <a:ext cx="0" cy="0"/>
+          <a:chOff x="0" y="0"/>
+          <a:chExt cx="0" cy="0"/>
+        </a:xfrm>
+      </p:grpSpPr>
+      <p:sp>
+        <p:nvSpPr>
+          <p:cNvPr id="2" name="슬라이드 이미지 개체 틀 1"/>
+          <p:cNvSpPr>
+            <a:spLocks noGrp="1" noRot="1" noChangeAspect="1"/>
+          </p:cNvSpPr>
+          <p:nvPr>
+            <p:ph type="sldImg"/>
+          </p:nvPr>
+        </p:nvSpPr>
+        <p:spPr/>
+      </p:sp>
+      <p:sp>
+        <p:nvSpPr>
+          <p:cNvPr id="3" name="슬라이드 노트 개체 틀 2"/>
+          <p:cNvSpPr>
+            <a:spLocks noGrp="1"/>
+          </p:cNvSpPr>
+          <p:nvPr>
+            <p:ph type="body" idx="1"/>
+          </p:nvPr>
+        </p:nvSpPr>
+        <p:spPr/>
+        <p:txBody>
+          <a:bodyPr/>
+          <a:lstStyle/>
+          <a:p>
+            <a:endParaRPr lang="ko-KR" altLang="en-US" dirty="0"/>
+          </a:p>
+        </p:txBody>
+      </p:sp>
+      <p:sp>
+        <p:nvSpPr>
+          <p:cNvPr id="4" name="슬라이드 번호 개체 틀 3"/>
+          <p:cNvSpPr>
+            <a:spLocks noGrp="1"/>
+          </p:cNvSpPr>
+          <p:nvPr>
+            <p:ph type="sldNum" sz="quarter" idx="10"/>
+          </p:nvPr>
+        </p:nvSpPr>
+        <p:spPr/>
+        <p:txBody>
+          <a:bodyPr/>
+          <a:lstStyle/>
+          <a:p>
+            <a:fld id="{ABDF5DD3-10C4-4F53-9E08-2A05AD183D37}" type="slidenum">
+              <a:rPr lang="ko-KR" altLang="en-US" smtClean="0"/>
+              <a:pPr/>
+              <a:t>23</a:t>
             </a:fld>
             <a:endParaRPr lang="ko-KR" altLang="en-US"/>
           </a:p>
@@ -1353,7 +1525,7 @@
     </p:spTree>
     <p:extLst>
       <p:ext uri="{BB962C8B-B14F-4D97-AF65-F5344CB8AC3E}">
-        <p14:creationId xmlns:p14="http://schemas.microsoft.com/office/powerpoint/2010/main" val="2797981326"/>
+        <p14:creationId xmlns:p14="http://schemas.microsoft.com/office/powerpoint/2010/main" val="2780206992"/>
       </p:ext>
     </p:extLst>
   </p:cSld>
@@ -1438,7 +1610,7 @@
     </p:spTree>
     <p:extLst>
       <p:ext uri="{BB962C8B-B14F-4D97-AF65-F5344CB8AC3E}">
-        <p14:creationId xmlns:p14="http://schemas.microsoft.com/office/powerpoint/2010/main" val="1716890902"/>
+        <p14:creationId xmlns:p14="http://schemas.microsoft.com/office/powerpoint/2010/main" val="2797981326"/>
       </p:ext>
     </p:extLst>
   </p:cSld>
@@ -1523,7 +1695,7 @@
     </p:spTree>
     <p:extLst>
       <p:ext uri="{BB962C8B-B14F-4D97-AF65-F5344CB8AC3E}">
-        <p14:creationId xmlns:p14="http://schemas.microsoft.com/office/powerpoint/2010/main" val="1588296577"/>
+        <p14:creationId xmlns:p14="http://schemas.microsoft.com/office/powerpoint/2010/main" val="1716890902"/>
       </p:ext>
     </p:extLst>
   </p:cSld>
@@ -1608,7 +1780,7 @@
     </p:spTree>
     <p:extLst>
       <p:ext uri="{BB962C8B-B14F-4D97-AF65-F5344CB8AC3E}">
-        <p14:creationId xmlns:p14="http://schemas.microsoft.com/office/powerpoint/2010/main" val="4062581842"/>
+        <p14:creationId xmlns:p14="http://schemas.microsoft.com/office/powerpoint/2010/main" val="1588296577"/>
       </p:ext>
     </p:extLst>
   </p:cSld>
@@ -1693,7 +1865,7 @@
     </p:spTree>
     <p:extLst>
       <p:ext uri="{BB962C8B-B14F-4D97-AF65-F5344CB8AC3E}">
-        <p14:creationId xmlns:p14="http://schemas.microsoft.com/office/powerpoint/2010/main" val="3620125389"/>
+        <p14:creationId xmlns:p14="http://schemas.microsoft.com/office/powerpoint/2010/main" val="4062581842"/>
       </p:ext>
     </p:extLst>
   </p:cSld>
@@ -1778,7 +1950,7 @@
     </p:spTree>
     <p:extLst>
       <p:ext uri="{BB962C8B-B14F-4D97-AF65-F5344CB8AC3E}">
-        <p14:creationId xmlns:p14="http://schemas.microsoft.com/office/powerpoint/2010/main" val="791729815"/>
+        <p14:creationId xmlns:p14="http://schemas.microsoft.com/office/powerpoint/2010/main" val="3620125389"/>
       </p:ext>
     </p:extLst>
   </p:cSld>
@@ -1863,7 +2035,7 @@
     </p:spTree>
     <p:extLst>
       <p:ext uri="{BB962C8B-B14F-4D97-AF65-F5344CB8AC3E}">
-        <p14:creationId xmlns:p14="http://schemas.microsoft.com/office/powerpoint/2010/main" val="524224441"/>
+        <p14:creationId xmlns:p14="http://schemas.microsoft.com/office/powerpoint/2010/main" val="791729815"/>
       </p:ext>
     </p:extLst>
   </p:cSld>
@@ -4514,93 +4686,9 @@
           </a:p>
         </p:txBody>
       </p:sp>
-      <p:sp>
-        <p:nvSpPr>
-          <p:cNvPr id="9" name="직사각형 8"/>
-          <p:cNvSpPr/>
-          <p:nvPr/>
-        </p:nvSpPr>
-        <p:spPr>
-          <a:xfrm>
-            <a:off x="2717166" y="5733256"/>
-            <a:ext cx="3709669" cy="494494"/>
-          </a:xfrm>
-          <a:prstGeom prst="rect">
-            <a:avLst/>
-          </a:prstGeom>
-        </p:spPr>
-        <p:txBody>
-          <a:bodyPr wrap="none">
-            <a:spAutoFit/>
-          </a:bodyPr>
-          <a:lstStyle/>
-          <a:p>
-            <a:pPr algn="ctr">
-              <a:lnSpc>
-                <a:spcPct val="150000"/>
-              </a:lnSpc>
-            </a:pPr>
-            <a:r>
-              <a:rPr lang="en-US" altLang="ko-KR" sz="2000" b="1" spc="-100" dirty="0">
-                <a:solidFill>
-                  <a:srgbClr val="726868"/>
-                </a:solidFill>
-                <a:latin typeface="맑은 고딕" panose="020B0503020000020004" pitchFamily="50" charset="-127"/>
-                <a:ea typeface="맑은 고딕" panose="020B0503020000020004" pitchFamily="50" charset="-127"/>
-                <a:cs typeface="+mj-cs"/>
-              </a:rPr>
-              <a:t>2</a:t>
-            </a:r>
-            <a:r>
-              <a:rPr lang="ko-KR" altLang="en-US" sz="2000" b="1" spc="-100" dirty="0" smtClean="0">
-                <a:solidFill>
-                  <a:srgbClr val="726868"/>
-                </a:solidFill>
-                <a:latin typeface="맑은 고딕" panose="020B0503020000020004" pitchFamily="50" charset="-127"/>
-                <a:ea typeface="맑은 고딕" panose="020B0503020000020004" pitchFamily="50" charset="-127"/>
-                <a:cs typeface="+mj-cs"/>
-              </a:rPr>
-              <a:t>레벨 데이터 흐름도 </a:t>
-            </a:r>
-            <a:r>
-              <a:rPr lang="en-US" altLang="ko-KR" sz="2000" b="1" spc="-100" dirty="0" smtClean="0">
-                <a:solidFill>
-                  <a:srgbClr val="726868"/>
-                </a:solidFill>
-                <a:latin typeface="맑은 고딕" panose="020B0503020000020004" pitchFamily="50" charset="-127"/>
-                <a:ea typeface="맑은 고딕" panose="020B0503020000020004" pitchFamily="50" charset="-127"/>
-                <a:cs typeface="+mj-cs"/>
-              </a:rPr>
-              <a:t>(</a:t>
-            </a:r>
-            <a:r>
-              <a:rPr lang="ko-KR" altLang="en-US" sz="2000" b="1" spc="-100" dirty="0" smtClean="0">
-                <a:solidFill>
-                  <a:srgbClr val="726868"/>
-                </a:solidFill>
-                <a:latin typeface="맑은 고딕" panose="020B0503020000020004" pitchFamily="50" charset="-127"/>
-                <a:ea typeface="맑은 고딕" panose="020B0503020000020004" pitchFamily="50" charset="-127"/>
-                <a:cs typeface="+mj-cs"/>
-              </a:rPr>
-              <a:t>태그 관리</a:t>
-            </a:r>
-            <a:r>
-              <a:rPr lang="en-US" altLang="ko-KR" sz="2000" b="1" spc="-100" dirty="0" smtClean="0">
-                <a:solidFill>
-                  <a:srgbClr val="726868"/>
-                </a:solidFill>
-                <a:latin typeface="맑은 고딕" panose="020B0503020000020004" pitchFamily="50" charset="-127"/>
-                <a:ea typeface="맑은 고딕" panose="020B0503020000020004" pitchFamily="50" charset="-127"/>
-                <a:cs typeface="+mj-cs"/>
-              </a:rPr>
-              <a:t>)</a:t>
-            </a:r>
-          </a:p>
-        </p:txBody>
-      </p:sp>
       <p:pic>
         <p:nvPicPr>
-          <p:cNvPr id="10" name="그림 9"/>
+          <p:cNvPr id="14" name="그림 13"/>
           <p:cNvPicPr>
             <a:picLocks noChangeAspect="1"/>
           </p:cNvPicPr>
@@ -4620,18 +4708,102 @@
         </p:blipFill>
         <p:spPr>
           <a:xfrm>
-            <a:off x="2580474" y="1919821"/>
-            <a:ext cx="3983051" cy="3645398"/>
+            <a:off x="2317141" y="1988840"/>
+            <a:ext cx="4509717" cy="3672408"/>
           </a:xfrm>
           <a:prstGeom prst="rect">
             <a:avLst/>
           </a:prstGeom>
         </p:spPr>
       </p:pic>
+      <p:sp>
+        <p:nvSpPr>
+          <p:cNvPr id="15" name="직사각형 14"/>
+          <p:cNvSpPr/>
+          <p:nvPr/>
+        </p:nvSpPr>
+        <p:spPr>
+          <a:xfrm>
+            <a:off x="2435038" y="5733256"/>
+            <a:ext cx="4273926" cy="494494"/>
+          </a:xfrm>
+          <a:prstGeom prst="rect">
+            <a:avLst/>
+          </a:prstGeom>
+        </p:spPr>
+        <p:txBody>
+          <a:bodyPr wrap="none">
+            <a:spAutoFit/>
+          </a:bodyPr>
+          <a:lstStyle/>
+          <a:p>
+            <a:pPr algn="ctr">
+              <a:lnSpc>
+                <a:spcPct val="150000"/>
+              </a:lnSpc>
+            </a:pPr>
+            <a:r>
+              <a:rPr lang="en-US" altLang="ko-KR" sz="2000" b="1" spc="-100" dirty="0">
+                <a:solidFill>
+                  <a:srgbClr val="726868"/>
+                </a:solidFill>
+                <a:latin typeface="맑은 고딕" panose="020B0503020000020004" pitchFamily="50" charset="-127"/>
+                <a:ea typeface="맑은 고딕" panose="020B0503020000020004" pitchFamily="50" charset="-127"/>
+                <a:cs typeface="+mj-cs"/>
+              </a:rPr>
+              <a:t>2</a:t>
+            </a:r>
+            <a:r>
+              <a:rPr lang="ko-KR" altLang="en-US" sz="2000" b="1" spc="-100" dirty="0" smtClean="0">
+                <a:solidFill>
+                  <a:srgbClr val="726868"/>
+                </a:solidFill>
+                <a:latin typeface="맑은 고딕" panose="020B0503020000020004" pitchFamily="50" charset="-127"/>
+                <a:ea typeface="맑은 고딕" panose="020B0503020000020004" pitchFamily="50" charset="-127"/>
+                <a:cs typeface="+mj-cs"/>
+              </a:rPr>
+              <a:t>레벨 데이터 흐름도 </a:t>
+            </a:r>
+            <a:r>
+              <a:rPr lang="en-US" altLang="ko-KR" sz="2000" b="1" spc="-100" dirty="0" smtClean="0">
+                <a:solidFill>
+                  <a:srgbClr val="726868"/>
+                </a:solidFill>
+                <a:latin typeface="맑은 고딕" panose="020B0503020000020004" pitchFamily="50" charset="-127"/>
+                <a:ea typeface="맑은 고딕" panose="020B0503020000020004" pitchFamily="50" charset="-127"/>
+                <a:cs typeface="+mj-cs"/>
+              </a:rPr>
+              <a:t>(</a:t>
+            </a:r>
+            <a:r>
+              <a:rPr lang="ko-KR" altLang="en-US" sz="2000" b="1" spc="-100" dirty="0" smtClean="0">
+                <a:solidFill>
+                  <a:srgbClr val="726868"/>
+                </a:solidFill>
+                <a:latin typeface="맑은 고딕" panose="020B0503020000020004" pitchFamily="50" charset="-127"/>
+                <a:ea typeface="맑은 고딕" panose="020B0503020000020004" pitchFamily="50" charset="-127"/>
+                <a:cs typeface="+mj-cs"/>
+              </a:rPr>
+              <a:t>게임 정보 관리</a:t>
+            </a:r>
+            <a:r>
+              <a:rPr lang="en-US" altLang="ko-KR" sz="2000" b="1" spc="-100" dirty="0" smtClean="0">
+                <a:solidFill>
+                  <a:srgbClr val="726868"/>
+                </a:solidFill>
+                <a:latin typeface="맑은 고딕" panose="020B0503020000020004" pitchFamily="50" charset="-127"/>
+                <a:ea typeface="맑은 고딕" panose="020B0503020000020004" pitchFamily="50" charset="-127"/>
+                <a:cs typeface="+mj-cs"/>
+              </a:rPr>
+              <a:t>)</a:t>
+            </a:r>
+          </a:p>
+        </p:txBody>
+      </p:sp>
     </p:spTree>
     <p:extLst>
       <p:ext uri="{BB962C8B-B14F-4D97-AF65-F5344CB8AC3E}">
-        <p14:creationId xmlns:p14="http://schemas.microsoft.com/office/powerpoint/2010/main" val="3263131016"/>
+        <p14:creationId xmlns:p14="http://schemas.microsoft.com/office/powerpoint/2010/main" val="1435785361"/>
       </p:ext>
     </p:extLst>
   </p:cSld>
@@ -4893,7 +5065,7 @@
                 <a:ea typeface="맑은 고딕" panose="020B0503020000020004" pitchFamily="50" charset="-127"/>
                 <a:cs typeface="+mj-cs"/>
               </a:rPr>
-              <a:t>추천 관리</a:t>
+              <a:t>태그 관리</a:t>
             </a:r>
             <a:r>
               <a:rPr lang="en-US" altLang="ko-KR" sz="2000" b="1" spc="-100" dirty="0" smtClean="0">
@@ -4911,7 +5083,7 @@
       </p:sp>
       <p:pic>
         <p:nvPicPr>
-          <p:cNvPr id="7" name="그림 6"/>
+          <p:cNvPr id="10" name="그림 9"/>
           <p:cNvPicPr>
             <a:picLocks noChangeAspect="1"/>
           </p:cNvPicPr>
@@ -4931,8 +5103,8 @@
         </p:blipFill>
         <p:spPr>
           <a:xfrm>
-            <a:off x="2350115" y="1916832"/>
-            <a:ext cx="4443770" cy="3645398"/>
+            <a:off x="2580474" y="1919821"/>
+            <a:ext cx="3983051" cy="3645398"/>
           </a:xfrm>
           <a:prstGeom prst="rect">
             <a:avLst/>
@@ -4942,7 +5114,7 @@
     </p:spTree>
     <p:extLst>
       <p:ext uri="{BB962C8B-B14F-4D97-AF65-F5344CB8AC3E}">
-        <p14:creationId xmlns:p14="http://schemas.microsoft.com/office/powerpoint/2010/main" val="4166957846"/>
+        <p14:creationId xmlns:p14="http://schemas.microsoft.com/office/powerpoint/2010/main" val="3263131016"/>
       </p:ext>
     </p:extLst>
   </p:cSld>
@@ -5204,7 +5376,7 @@
                 <a:ea typeface="맑은 고딕" panose="020B0503020000020004" pitchFamily="50" charset="-127"/>
                 <a:cs typeface="+mj-cs"/>
               </a:rPr>
-              <a:t>평점 관리</a:t>
+              <a:t>추천 관리</a:t>
             </a:r>
             <a:r>
               <a:rPr lang="en-US" altLang="ko-KR" sz="2000" b="1" spc="-100" dirty="0" smtClean="0">
@@ -5222,7 +5394,7 @@
       </p:sp>
       <p:pic>
         <p:nvPicPr>
-          <p:cNvPr id="10" name="그림 9"/>
+          <p:cNvPr id="7" name="그림 6"/>
           <p:cNvPicPr>
             <a:picLocks noChangeAspect="1"/>
           </p:cNvPicPr>
@@ -5242,8 +5414,8 @@
         </p:blipFill>
         <p:spPr>
           <a:xfrm>
-            <a:off x="1972475" y="1894333"/>
-            <a:ext cx="5199050" cy="3645398"/>
+            <a:off x="2350115" y="1916832"/>
+            <a:ext cx="4443770" cy="3645398"/>
           </a:xfrm>
           <a:prstGeom prst="rect">
             <a:avLst/>
@@ -5253,7 +5425,7 @@
     </p:spTree>
     <p:extLst>
       <p:ext uri="{BB962C8B-B14F-4D97-AF65-F5344CB8AC3E}">
-        <p14:creationId xmlns:p14="http://schemas.microsoft.com/office/powerpoint/2010/main" val="3676075140"/>
+        <p14:creationId xmlns:p14="http://schemas.microsoft.com/office/powerpoint/2010/main" val="4166957846"/>
       </p:ext>
     </p:extLst>
   </p:cSld>
@@ -5355,7 +5527,28 @@
                 <a:latin typeface="맑은 고딕" panose="020B0503020000020004" pitchFamily="50" charset="-127"/>
                 <a:ea typeface="맑은 고딕" panose="020B0503020000020004" pitchFamily="50" charset="-127"/>
               </a:rPr>
-              <a:t>프로젝트 진행 결과</a:t>
+              <a:t>프로젝트 진행 결과 </a:t>
+            </a:r>
+            <a:r>
+              <a:rPr lang="en-US" altLang="ko-KR" sz="2000" spc="-100" dirty="0" smtClean="0">
+                <a:latin typeface="맑은 고딕" panose="020B0503020000020004" pitchFamily="50" charset="-127"/>
+                <a:ea typeface="맑은 고딕" panose="020B0503020000020004" pitchFamily="50" charset="-127"/>
+              </a:rPr>
+              <a:t>(</a:t>
+            </a:r>
+            <a:r>
+              <a:rPr lang="ko-KR" altLang="en-US" sz="2000" spc="-100" dirty="0" smtClean="0">
+                <a:latin typeface="맑은 고딕" panose="020B0503020000020004" pitchFamily="50" charset="-127"/>
+                <a:ea typeface="맑은 고딕" panose="020B0503020000020004" pitchFamily="50" charset="-127"/>
+              </a:rPr>
+              <a:t>요구 분석</a:t>
+            </a:r>
+            <a:r>
+              <a:rPr lang="en-US" altLang="ko-KR" sz="2000" spc="-100" dirty="0" smtClean="0">
+                <a:latin typeface="맑은 고딕" panose="020B0503020000020004" pitchFamily="50" charset="-127"/>
+                <a:ea typeface="맑은 고딕" panose="020B0503020000020004" pitchFamily="50" charset="-127"/>
+              </a:rPr>
+              <a:t>)</a:t>
             </a:r>
             <a:endParaRPr lang="en-US" altLang="ko-KR" sz="3000" b="1" spc="-100" dirty="0">
               <a:solidFill>
@@ -5428,14 +5621,14 @@
       </p:sp>
       <p:sp>
         <p:nvSpPr>
-          <p:cNvPr id="6" name="직사각형 5"/>
+          <p:cNvPr id="9" name="직사각형 8"/>
           <p:cNvSpPr/>
           <p:nvPr/>
         </p:nvSpPr>
         <p:spPr>
           <a:xfrm>
-            <a:off x="561929" y="3212976"/>
-            <a:ext cx="8020145" cy="1384995"/>
+            <a:off x="2717166" y="5733256"/>
+            <a:ext cx="3709669" cy="494494"/>
           </a:xfrm>
           <a:prstGeom prst="rect">
             <a:avLst/>
@@ -5453,7 +5646,7 @@
               </a:lnSpc>
             </a:pPr>
             <a:r>
-              <a:rPr lang="ko-KR" altLang="en-US" sz="2800" b="1" spc="-100" dirty="0" smtClean="0">
+              <a:rPr lang="en-US" altLang="ko-KR" sz="2000" b="1" spc="-100" dirty="0">
                 <a:solidFill>
                   <a:srgbClr val="726868"/>
                 </a:solidFill>
@@ -5461,10 +5654,10 @@
                 <a:ea typeface="맑은 고딕" panose="020B0503020000020004" pitchFamily="50" charset="-127"/>
                 <a:cs typeface="+mj-cs"/>
               </a:rPr>
-              <a:t>요구사항 분석</a:t>
-            </a:r>
-            <a:r>
-              <a:rPr lang="en-US" altLang="ko-KR" sz="2800" b="1" spc="-100" dirty="0" smtClean="0">
+              <a:t>2</a:t>
+            </a:r>
+            <a:r>
+              <a:rPr lang="ko-KR" altLang="en-US" sz="2000" b="1" spc="-100" dirty="0" smtClean="0">
                 <a:solidFill>
                   <a:srgbClr val="726868"/>
                 </a:solidFill>
@@ -5472,10 +5665,10 @@
                 <a:ea typeface="맑은 고딕" panose="020B0503020000020004" pitchFamily="50" charset="-127"/>
                 <a:cs typeface="+mj-cs"/>
               </a:rPr>
-              <a:t>, UI </a:t>
-            </a:r>
-            <a:r>
-              <a:rPr lang="ko-KR" altLang="en-US" sz="2800" b="1" spc="-100" dirty="0" smtClean="0">
+              <a:t>레벨 데이터 흐름도 </a:t>
+            </a:r>
+            <a:r>
+              <a:rPr lang="en-US" altLang="ko-KR" sz="2000" b="1" spc="-100" dirty="0" smtClean="0">
                 <a:solidFill>
                   <a:srgbClr val="726868"/>
                 </a:solidFill>
@@ -5483,10 +5676,10 @@
                 <a:ea typeface="맑은 고딕" panose="020B0503020000020004" pitchFamily="50" charset="-127"/>
                 <a:cs typeface="+mj-cs"/>
               </a:rPr>
-              <a:t>설계</a:t>
-            </a:r>
-            <a:r>
-              <a:rPr lang="en-US" altLang="ko-KR" sz="2800" b="1" spc="-100" dirty="0" smtClean="0">
+              <a:t>(</a:t>
+            </a:r>
+            <a:r>
+              <a:rPr lang="ko-KR" altLang="en-US" sz="2000" b="1" spc="-100" dirty="0" smtClean="0">
                 <a:solidFill>
                   <a:srgbClr val="726868"/>
                 </a:solidFill>
@@ -5494,10 +5687,10 @@
                 <a:ea typeface="맑은 고딕" panose="020B0503020000020004" pitchFamily="50" charset="-127"/>
                 <a:cs typeface="+mj-cs"/>
               </a:rPr>
-              <a:t>, </a:t>
-            </a:r>
-            <a:r>
-              <a:rPr lang="ko-KR" altLang="en-US" sz="2800" b="1" spc="-100" dirty="0" smtClean="0">
+              <a:t>평점 관리</a:t>
+            </a:r>
+            <a:r>
+              <a:rPr lang="en-US" altLang="ko-KR" sz="2000" b="1" spc="-100" dirty="0" smtClean="0">
                 <a:solidFill>
                   <a:srgbClr val="726868"/>
                 </a:solidFill>
@@ -5505,49 +5698,45 @@
                 <a:ea typeface="맑은 고딕" panose="020B0503020000020004" pitchFamily="50" charset="-127"/>
                 <a:cs typeface="+mj-cs"/>
               </a:rPr>
-              <a:t>초기 데이터 수집 완료</a:t>
-            </a:r>
-            <a:endParaRPr lang="en-US" altLang="ko-KR" sz="2800" b="1" spc="-100" dirty="0" smtClean="0">
-              <a:solidFill>
-                <a:srgbClr val="726868"/>
-              </a:solidFill>
-              <a:latin typeface="맑은 고딕" panose="020B0503020000020004" pitchFamily="50" charset="-127"/>
-              <a:ea typeface="맑은 고딕" panose="020B0503020000020004" pitchFamily="50" charset="-127"/>
-              <a:cs typeface="+mj-cs"/>
-            </a:endParaRPr>
-          </a:p>
-          <a:p>
-            <a:pPr algn="ctr">
-              <a:lnSpc>
-                <a:spcPct val="150000"/>
-              </a:lnSpc>
-            </a:pPr>
-            <a:r>
-              <a:rPr lang="ko-KR" altLang="en-US" sz="2800" b="1" spc="-100" dirty="0" smtClean="0">
-                <a:solidFill>
-                  <a:srgbClr val="726868"/>
-                </a:solidFill>
-                <a:latin typeface="맑은 고딕" panose="020B0503020000020004" pitchFamily="50" charset="-127"/>
-                <a:ea typeface="맑은 고딕" panose="020B0503020000020004" pitchFamily="50" charset="-127"/>
-                <a:cs typeface="+mj-cs"/>
-              </a:rPr>
-              <a:t>빠른 시일내 웹 페이지 및 추천 알고리즘 개발 착수</a:t>
-            </a:r>
-            <a:endParaRPr lang="en-US" altLang="ko-KR" sz="2800" b="1" spc="-100" dirty="0" smtClean="0">
-              <a:solidFill>
-                <a:srgbClr val="726868"/>
-              </a:solidFill>
-              <a:latin typeface="맑은 고딕" panose="020B0503020000020004" pitchFamily="50" charset="-127"/>
-              <a:ea typeface="맑은 고딕" panose="020B0503020000020004" pitchFamily="50" charset="-127"/>
-              <a:cs typeface="+mj-cs"/>
-            </a:endParaRPr>
-          </a:p>
-        </p:txBody>
-      </p:sp>
+              <a:t>)</a:t>
+            </a:r>
+          </a:p>
+        </p:txBody>
+      </p:sp>
+      <p:pic>
+        <p:nvPicPr>
+          <p:cNvPr id="10" name="그림 9"/>
+          <p:cNvPicPr>
+            <a:picLocks noChangeAspect="1"/>
+          </p:cNvPicPr>
+          <p:nvPr/>
+        </p:nvPicPr>
+        <p:blipFill>
+          <a:blip r:embed="rId3">
+            <a:extLst>
+              <a:ext uri="{28A0092B-C50C-407E-A947-70E740481C1C}">
+                <a14:useLocalDpi xmlns:a14="http://schemas.microsoft.com/office/drawing/2010/main" val="0"/>
+              </a:ext>
+            </a:extLst>
+          </a:blip>
+          <a:stretch>
+            <a:fillRect/>
+          </a:stretch>
+        </p:blipFill>
+        <p:spPr>
+          <a:xfrm>
+            <a:off x="1972475" y="1894333"/>
+            <a:ext cx="5199050" cy="3645398"/>
+          </a:xfrm>
+          <a:prstGeom prst="rect">
+            <a:avLst/>
+          </a:prstGeom>
+        </p:spPr>
+      </p:pic>
     </p:spTree>
     <p:extLst>
       <p:ext uri="{BB962C8B-B14F-4D97-AF65-F5344CB8AC3E}">
-        <p14:creationId xmlns:p14="http://schemas.microsoft.com/office/powerpoint/2010/main" val="2628056471"/>
+        <p14:creationId xmlns:p14="http://schemas.microsoft.com/office/powerpoint/2010/main" val="3676075140"/>
       </p:ext>
     </p:extLst>
   </p:cSld>
@@ -5583,6 +5772,672 @@
       </p:grpSpPr>
       <p:sp>
         <p:nvSpPr>
+          <p:cNvPr id="2" name="제목 1"/>
+          <p:cNvSpPr>
+            <a:spLocks noGrp="1"/>
+          </p:cNvSpPr>
+          <p:nvPr>
+            <p:ph type="ctrTitle"/>
+          </p:nvPr>
+        </p:nvSpPr>
+        <p:spPr>
+          <a:xfrm>
+            <a:off x="467544" y="404664"/>
+            <a:ext cx="6552728" cy="1296144"/>
+          </a:xfrm>
+        </p:spPr>
+        <p:txBody>
+          <a:bodyPr>
+            <a:noAutofit/>
+          </a:bodyPr>
+          <a:lstStyle/>
+          <a:p>
+            <a:pPr algn="l"/>
+            <a:r>
+              <a:rPr lang="ko-KR" altLang="en-US" sz="3000" spc="-100" dirty="0" smtClean="0">
+                <a:latin typeface="맑은 고딕" panose="020B0503020000020004" pitchFamily="50" charset="-127"/>
+                <a:ea typeface="맑은 고딕" panose="020B0503020000020004" pitchFamily="50" charset="-127"/>
+              </a:rPr>
+              <a:t>프로젝트 진행 결과</a:t>
+            </a:r>
+            <a:r>
+              <a:rPr lang="en-US" altLang="ko-KR" sz="3000" spc="-100" dirty="0">
+                <a:latin typeface="맑은 고딕" panose="020B0503020000020004" pitchFamily="50" charset="-127"/>
+                <a:ea typeface="맑은 고딕" panose="020B0503020000020004" pitchFamily="50" charset="-127"/>
+              </a:rPr>
+              <a:t/>
+            </a:r>
+            <a:br>
+              <a:rPr lang="en-US" altLang="ko-KR" sz="3000" spc="-100" dirty="0">
+                <a:latin typeface="맑은 고딕" panose="020B0503020000020004" pitchFamily="50" charset="-127"/>
+                <a:ea typeface="맑은 고딕" panose="020B0503020000020004" pitchFamily="50" charset="-127"/>
+              </a:rPr>
+            </a:br>
+            <a:r>
+              <a:rPr lang="en-US" altLang="ko-KR" sz="1000" spc="-100" dirty="0">
+                <a:latin typeface="맑은 고딕" panose="020B0503020000020004" pitchFamily="50" charset="-127"/>
+                <a:ea typeface="맑은 고딕" panose="020B0503020000020004" pitchFamily="50" charset="-127"/>
+              </a:rPr>
+              <a:t> </a:t>
+            </a:r>
+            <a:r>
+              <a:rPr lang="en-US" altLang="ko-KR" sz="2000" spc="-100" dirty="0">
+                <a:latin typeface="맑은 고딕" panose="020B0503020000020004" pitchFamily="50" charset="-127"/>
+                <a:ea typeface="맑은 고딕" panose="020B0503020000020004" pitchFamily="50" charset="-127"/>
+              </a:rPr>
+              <a:t/>
+            </a:r>
+            <a:br>
+              <a:rPr lang="en-US" altLang="ko-KR" sz="2000" spc="-100" dirty="0">
+                <a:latin typeface="맑은 고딕" panose="020B0503020000020004" pitchFamily="50" charset="-127"/>
+                <a:ea typeface="맑은 고딕" panose="020B0503020000020004" pitchFamily="50" charset="-127"/>
+              </a:rPr>
+            </a:br>
+            <a:r>
+              <a:rPr lang="ko-KR" altLang="en-US" sz="2000" spc="-100" dirty="0" smtClean="0">
+                <a:latin typeface="맑은 고딕" panose="020B0503020000020004" pitchFamily="50" charset="-127"/>
+                <a:ea typeface="맑은 고딕" panose="020B0503020000020004" pitchFamily="50" charset="-127"/>
+              </a:rPr>
+              <a:t>프로젝트 진행 결과 </a:t>
+            </a:r>
+            <a:r>
+              <a:rPr lang="en-US" altLang="ko-KR" sz="2000" spc="-100" dirty="0" smtClean="0">
+                <a:latin typeface="맑은 고딕" panose="020B0503020000020004" pitchFamily="50" charset="-127"/>
+                <a:ea typeface="맑은 고딕" panose="020B0503020000020004" pitchFamily="50" charset="-127"/>
+              </a:rPr>
+              <a:t>(</a:t>
+            </a:r>
+            <a:r>
+              <a:rPr lang="ko-KR" altLang="en-US" sz="2000" spc="-100" dirty="0" smtClean="0">
+                <a:latin typeface="맑은 고딕" panose="020B0503020000020004" pitchFamily="50" charset="-127"/>
+                <a:ea typeface="맑은 고딕" panose="020B0503020000020004" pitchFamily="50" charset="-127"/>
+              </a:rPr>
+              <a:t>요구 분석</a:t>
+            </a:r>
+            <a:r>
+              <a:rPr lang="en-US" altLang="ko-KR" sz="2000" spc="-100" dirty="0" smtClean="0">
+                <a:latin typeface="맑은 고딕" panose="020B0503020000020004" pitchFamily="50" charset="-127"/>
+                <a:ea typeface="맑은 고딕" panose="020B0503020000020004" pitchFamily="50" charset="-127"/>
+              </a:rPr>
+              <a:t>)</a:t>
+            </a:r>
+            <a:endParaRPr lang="en-US" altLang="ko-KR" sz="3000" b="1" spc="-100" dirty="0">
+              <a:solidFill>
+                <a:schemeClr val="accent6">
+                  <a:lumMod val="75000"/>
+                </a:schemeClr>
+              </a:solidFill>
+              <a:latin typeface="맑은 고딕" panose="020B0503020000020004" pitchFamily="50" charset="-127"/>
+              <a:ea typeface="맑은 고딕" panose="020B0503020000020004" pitchFamily="50" charset="-127"/>
+            </a:endParaRPr>
+          </a:p>
+        </p:txBody>
+      </p:sp>
+      <p:sp>
+        <p:nvSpPr>
+          <p:cNvPr id="8" name="직사각형 7"/>
+          <p:cNvSpPr/>
+          <p:nvPr/>
+        </p:nvSpPr>
+        <p:spPr>
+          <a:xfrm>
+            <a:off x="395536" y="404664"/>
+            <a:ext cx="8352928" cy="1296144"/>
+          </a:xfrm>
+          <a:prstGeom prst="rect">
+            <a:avLst/>
+          </a:prstGeom>
+          <a:noFill/>
+          <a:ln w="88900">
+            <a:solidFill>
+              <a:schemeClr val="accent6">
+                <a:lumMod val="75000"/>
+              </a:schemeClr>
+            </a:solidFill>
+            <a:miter lim="800000"/>
+          </a:ln>
+        </p:spPr>
+        <p:style>
+          <a:lnRef idx="2">
+            <a:schemeClr val="accent1">
+              <a:shade val="50000"/>
+            </a:schemeClr>
+          </a:lnRef>
+          <a:fillRef idx="1">
+            <a:schemeClr val="accent1"/>
+          </a:fillRef>
+          <a:effectRef idx="0">
+            <a:schemeClr val="accent1"/>
+          </a:effectRef>
+          <a:fontRef idx="minor">
+            <a:schemeClr val="lt1"/>
+          </a:fontRef>
+        </p:style>
+        <p:txBody>
+          <a:bodyPr rtlCol="0" anchor="ctr"/>
+          <a:lstStyle/>
+          <a:p>
+            <a:pPr algn="ctr"/>
+            <a:endParaRPr lang="ko-KR" altLang="en-US" dirty="0">
+              <a:solidFill>
+                <a:schemeClr val="accent6">
+                  <a:lumMod val="75000"/>
+                </a:schemeClr>
+              </a:solidFill>
+              <a:latin typeface="맑은 고딕" panose="020B0503020000020004" pitchFamily="50" charset="-127"/>
+              <a:ea typeface="맑은 고딕" panose="020B0503020000020004" pitchFamily="50" charset="-127"/>
+            </a:endParaRPr>
+          </a:p>
+        </p:txBody>
+      </p:sp>
+      <p:sp>
+        <p:nvSpPr>
+          <p:cNvPr id="9" name="직사각형 8"/>
+          <p:cNvSpPr/>
+          <p:nvPr/>
+        </p:nvSpPr>
+        <p:spPr>
+          <a:xfrm>
+            <a:off x="4076510" y="5733256"/>
+            <a:ext cx="990976" cy="494494"/>
+          </a:xfrm>
+          <a:prstGeom prst="rect">
+            <a:avLst/>
+          </a:prstGeom>
+        </p:spPr>
+        <p:txBody>
+          <a:bodyPr wrap="none">
+            <a:spAutoFit/>
+          </a:bodyPr>
+          <a:lstStyle/>
+          <a:p>
+            <a:pPr algn="ctr">
+              <a:lnSpc>
+                <a:spcPct val="150000"/>
+              </a:lnSpc>
+            </a:pPr>
+            <a:r>
+              <a:rPr lang="en-US" altLang="ko-KR" sz="2000" b="1" spc="-100" dirty="0" smtClean="0">
+                <a:solidFill>
+                  <a:srgbClr val="726868"/>
+                </a:solidFill>
+                <a:latin typeface="맑은 고딕" panose="020B0503020000020004" pitchFamily="50" charset="-127"/>
+                <a:ea typeface="맑은 고딕" panose="020B0503020000020004" pitchFamily="50" charset="-127"/>
+                <a:cs typeface="+mj-cs"/>
+              </a:rPr>
+              <a:t>UI </a:t>
+            </a:r>
+            <a:r>
+              <a:rPr lang="ko-KR" altLang="en-US" sz="2000" b="1" spc="-100" dirty="0" smtClean="0">
+                <a:solidFill>
+                  <a:srgbClr val="726868"/>
+                </a:solidFill>
+                <a:latin typeface="맑은 고딕" panose="020B0503020000020004" pitchFamily="50" charset="-127"/>
+                <a:ea typeface="맑은 고딕" panose="020B0503020000020004" pitchFamily="50" charset="-127"/>
+                <a:cs typeface="+mj-cs"/>
+              </a:rPr>
+              <a:t>설계</a:t>
+            </a:r>
+            <a:endParaRPr lang="en-US" altLang="ko-KR" sz="2000" b="1" spc="-100" dirty="0" smtClean="0">
+              <a:solidFill>
+                <a:srgbClr val="726868"/>
+              </a:solidFill>
+              <a:latin typeface="맑은 고딕" panose="020B0503020000020004" pitchFamily="50" charset="-127"/>
+              <a:ea typeface="맑은 고딕" panose="020B0503020000020004" pitchFamily="50" charset="-127"/>
+              <a:cs typeface="+mj-cs"/>
+            </a:endParaRPr>
+          </a:p>
+        </p:txBody>
+      </p:sp>
+      <p:pic>
+        <p:nvPicPr>
+          <p:cNvPr id="4" name="그림 3"/>
+          <p:cNvPicPr>
+            <a:picLocks noChangeAspect="1"/>
+          </p:cNvPicPr>
+          <p:nvPr/>
+        </p:nvPicPr>
+        <p:blipFill>
+          <a:blip r:embed="rId3"/>
+          <a:stretch>
+            <a:fillRect/>
+          </a:stretch>
+        </p:blipFill>
+        <p:spPr>
+          <a:xfrm>
+            <a:off x="971600" y="2060848"/>
+            <a:ext cx="4415448" cy="2481514"/>
+          </a:xfrm>
+          <a:prstGeom prst="rect">
+            <a:avLst/>
+          </a:prstGeom>
+        </p:spPr>
+      </p:pic>
+      <p:pic>
+        <p:nvPicPr>
+          <p:cNvPr id="5" name="그림 4"/>
+          <p:cNvPicPr>
+            <a:picLocks noChangeAspect="1"/>
+          </p:cNvPicPr>
+          <p:nvPr/>
+        </p:nvPicPr>
+        <p:blipFill>
+          <a:blip r:embed="rId4"/>
+          <a:stretch>
+            <a:fillRect/>
+          </a:stretch>
+        </p:blipFill>
+        <p:spPr>
+          <a:xfrm>
+            <a:off x="3347864" y="2864268"/>
+            <a:ext cx="4896544" cy="2745987"/>
+          </a:xfrm>
+          <a:prstGeom prst="rect">
+            <a:avLst/>
+          </a:prstGeom>
+        </p:spPr>
+      </p:pic>
+    </p:spTree>
+    <p:extLst>
+      <p:ext uri="{BB962C8B-B14F-4D97-AF65-F5344CB8AC3E}">
+        <p14:creationId xmlns:p14="http://schemas.microsoft.com/office/powerpoint/2010/main" val="2090740635"/>
+      </p:ext>
+    </p:extLst>
+  </p:cSld>
+  <p:clrMapOvr>
+    <a:masterClrMapping/>
+  </p:clrMapOvr>
+  <p:timing>
+    <p:tnLst>
+      <p:par>
+        <p:cTn id="1" dur="indefinite" restart="never" nodeType="tmRoot">
+          <p:childTnLst>
+            <p:seq concurrent="1" nextAc="seek">
+              <p:cTn id="2" dur="indefinite" nodeType="mainSeq">
+                <p:childTnLst>
+                  <p:par>
+                    <p:cTn id="3" fill="hold">
+                      <p:stCondLst>
+                        <p:cond delay="indefinite"/>
+                      </p:stCondLst>
+                      <p:childTnLst>
+                        <p:par>
+                          <p:cTn id="4" fill="hold">
+                            <p:stCondLst>
+                              <p:cond delay="0"/>
+                            </p:stCondLst>
+                            <p:childTnLst>
+                              <p:par>
+                                <p:cTn id="5" presetID="1" presetClass="entr" presetSubtype="0" fill="hold" nodeType="clickEffect">
+                                  <p:stCondLst>
+                                    <p:cond delay="0"/>
+                                  </p:stCondLst>
+                                  <p:childTnLst>
+                                    <p:set>
+                                      <p:cBhvr>
+                                        <p:cTn id="6" dur="1" fill="hold">
+                                          <p:stCondLst>
+                                            <p:cond delay="0"/>
+                                          </p:stCondLst>
+                                        </p:cTn>
+                                        <p:tgtEl>
+                                          <p:spTgt spid="5"/>
+                                        </p:tgtEl>
+                                        <p:attrNameLst>
+                                          <p:attrName>style.visibility</p:attrName>
+                                        </p:attrNameLst>
+                                      </p:cBhvr>
+                                      <p:to>
+                                        <p:strVal val="visible"/>
+                                      </p:to>
+                                    </p:set>
+                                  </p:childTnLst>
+                                </p:cTn>
+                              </p:par>
+                            </p:childTnLst>
+                          </p:cTn>
+                        </p:par>
+                      </p:childTnLst>
+                    </p:cTn>
+                  </p:par>
+                </p:childTnLst>
+              </p:cTn>
+              <p:prevCondLst>
+                <p:cond evt="onPrev" delay="0">
+                  <p:tgtEl>
+                    <p:sldTgt/>
+                  </p:tgtEl>
+                </p:cond>
+              </p:prevCondLst>
+              <p:nextCondLst>
+                <p:cond evt="onNext" delay="0">
+                  <p:tgtEl>
+                    <p:sldTgt/>
+                  </p:tgtEl>
+                </p:cond>
+              </p:nextCondLst>
+            </p:seq>
+          </p:childTnLst>
+        </p:cTn>
+      </p:par>
+    </p:tnLst>
+  </p:timing>
+</p:sld>
+</file>
+
+<file path=ppt/slides/slide15.xml><?xml version="1.0" encoding="utf-8"?>
+<p:sld xmlns:a="http://schemas.openxmlformats.org/drawingml/2006/main" xmlns:r="http://schemas.openxmlformats.org/officeDocument/2006/relationships" xmlns:p="http://schemas.openxmlformats.org/presentationml/2006/main">
+  <p:cSld>
+    <p:spTree>
+      <p:nvGrpSpPr>
+        <p:cNvPr id="1" name=""/>
+        <p:cNvGrpSpPr/>
+        <p:nvPr/>
+      </p:nvGrpSpPr>
+      <p:grpSpPr>
+        <a:xfrm>
+          <a:off x="0" y="0"/>
+          <a:ext cx="0" cy="0"/>
+          <a:chOff x="0" y="0"/>
+          <a:chExt cx="0" cy="0"/>
+        </a:xfrm>
+      </p:grpSpPr>
+      <p:sp>
+        <p:nvSpPr>
+          <p:cNvPr id="2" name="제목 1"/>
+          <p:cNvSpPr>
+            <a:spLocks noGrp="1"/>
+          </p:cNvSpPr>
+          <p:nvPr>
+            <p:ph type="ctrTitle"/>
+          </p:nvPr>
+        </p:nvSpPr>
+        <p:spPr>
+          <a:xfrm>
+            <a:off x="467544" y="404664"/>
+            <a:ext cx="6552728" cy="1296144"/>
+          </a:xfrm>
+        </p:spPr>
+        <p:txBody>
+          <a:bodyPr>
+            <a:noAutofit/>
+          </a:bodyPr>
+          <a:lstStyle/>
+          <a:p>
+            <a:pPr algn="l"/>
+            <a:r>
+              <a:rPr lang="ko-KR" altLang="en-US" sz="3000" spc="-100" dirty="0" smtClean="0">
+                <a:latin typeface="맑은 고딕" panose="020B0503020000020004" pitchFamily="50" charset="-127"/>
+                <a:ea typeface="맑은 고딕" panose="020B0503020000020004" pitchFamily="50" charset="-127"/>
+              </a:rPr>
+              <a:t>프로젝트 진행 결과</a:t>
+            </a:r>
+            <a:r>
+              <a:rPr lang="en-US" altLang="ko-KR" sz="3000" spc="-100" dirty="0">
+                <a:latin typeface="맑은 고딕" panose="020B0503020000020004" pitchFamily="50" charset="-127"/>
+                <a:ea typeface="맑은 고딕" panose="020B0503020000020004" pitchFamily="50" charset="-127"/>
+              </a:rPr>
+              <a:t/>
+            </a:r>
+            <a:br>
+              <a:rPr lang="en-US" altLang="ko-KR" sz="3000" spc="-100" dirty="0">
+                <a:latin typeface="맑은 고딕" panose="020B0503020000020004" pitchFamily="50" charset="-127"/>
+                <a:ea typeface="맑은 고딕" panose="020B0503020000020004" pitchFamily="50" charset="-127"/>
+              </a:rPr>
+            </a:br>
+            <a:r>
+              <a:rPr lang="en-US" altLang="ko-KR" sz="1000" spc="-100" dirty="0">
+                <a:latin typeface="맑은 고딕" panose="020B0503020000020004" pitchFamily="50" charset="-127"/>
+                <a:ea typeface="맑은 고딕" panose="020B0503020000020004" pitchFamily="50" charset="-127"/>
+              </a:rPr>
+              <a:t> </a:t>
+            </a:r>
+            <a:r>
+              <a:rPr lang="en-US" altLang="ko-KR" sz="2000" spc="-100" dirty="0">
+                <a:latin typeface="맑은 고딕" panose="020B0503020000020004" pitchFamily="50" charset="-127"/>
+                <a:ea typeface="맑은 고딕" panose="020B0503020000020004" pitchFamily="50" charset="-127"/>
+              </a:rPr>
+              <a:t/>
+            </a:r>
+            <a:br>
+              <a:rPr lang="en-US" altLang="ko-KR" sz="2000" spc="-100" dirty="0">
+                <a:latin typeface="맑은 고딕" panose="020B0503020000020004" pitchFamily="50" charset="-127"/>
+                <a:ea typeface="맑은 고딕" panose="020B0503020000020004" pitchFamily="50" charset="-127"/>
+              </a:rPr>
+            </a:br>
+            <a:r>
+              <a:rPr lang="ko-KR" altLang="en-US" sz="2000" spc="-100" dirty="0" smtClean="0">
+                <a:latin typeface="맑은 고딕" panose="020B0503020000020004" pitchFamily="50" charset="-127"/>
+                <a:ea typeface="맑은 고딕" panose="020B0503020000020004" pitchFamily="50" charset="-127"/>
+              </a:rPr>
+              <a:t>프로젝트 진행 결과</a:t>
+            </a:r>
+            <a:endParaRPr lang="en-US" altLang="ko-KR" sz="3000" b="1" spc="-100" dirty="0">
+              <a:solidFill>
+                <a:schemeClr val="accent6">
+                  <a:lumMod val="75000"/>
+                </a:schemeClr>
+              </a:solidFill>
+              <a:latin typeface="맑은 고딕" panose="020B0503020000020004" pitchFamily="50" charset="-127"/>
+              <a:ea typeface="맑은 고딕" panose="020B0503020000020004" pitchFamily="50" charset="-127"/>
+            </a:endParaRPr>
+          </a:p>
+        </p:txBody>
+      </p:sp>
+      <p:sp>
+        <p:nvSpPr>
+          <p:cNvPr id="8" name="직사각형 7"/>
+          <p:cNvSpPr/>
+          <p:nvPr/>
+        </p:nvSpPr>
+        <p:spPr>
+          <a:xfrm>
+            <a:off x="395536" y="404664"/>
+            <a:ext cx="8352928" cy="1296144"/>
+          </a:xfrm>
+          <a:prstGeom prst="rect">
+            <a:avLst/>
+          </a:prstGeom>
+          <a:noFill/>
+          <a:ln w="88900">
+            <a:solidFill>
+              <a:schemeClr val="accent6">
+                <a:lumMod val="75000"/>
+              </a:schemeClr>
+            </a:solidFill>
+            <a:miter lim="800000"/>
+          </a:ln>
+        </p:spPr>
+        <p:style>
+          <a:lnRef idx="2">
+            <a:schemeClr val="accent1">
+              <a:shade val="50000"/>
+            </a:schemeClr>
+          </a:lnRef>
+          <a:fillRef idx="1">
+            <a:schemeClr val="accent1"/>
+          </a:fillRef>
+          <a:effectRef idx="0">
+            <a:schemeClr val="accent1"/>
+          </a:effectRef>
+          <a:fontRef idx="minor">
+            <a:schemeClr val="lt1"/>
+          </a:fontRef>
+        </p:style>
+        <p:txBody>
+          <a:bodyPr rtlCol="0" anchor="ctr"/>
+          <a:lstStyle/>
+          <a:p>
+            <a:pPr algn="ctr"/>
+            <a:endParaRPr lang="ko-KR" altLang="en-US" dirty="0">
+              <a:solidFill>
+                <a:schemeClr val="accent6">
+                  <a:lumMod val="75000"/>
+                </a:schemeClr>
+              </a:solidFill>
+              <a:latin typeface="맑은 고딕" panose="020B0503020000020004" pitchFamily="50" charset="-127"/>
+              <a:ea typeface="맑은 고딕" panose="020B0503020000020004" pitchFamily="50" charset="-127"/>
+            </a:endParaRPr>
+          </a:p>
+        </p:txBody>
+      </p:sp>
+      <p:sp>
+        <p:nvSpPr>
+          <p:cNvPr id="6" name="직사각형 5"/>
+          <p:cNvSpPr/>
+          <p:nvPr/>
+        </p:nvSpPr>
+        <p:spPr>
+          <a:xfrm>
+            <a:off x="561929" y="3212976"/>
+            <a:ext cx="8020145" cy="1384995"/>
+          </a:xfrm>
+          <a:prstGeom prst="rect">
+            <a:avLst/>
+          </a:prstGeom>
+        </p:spPr>
+        <p:txBody>
+          <a:bodyPr wrap="none">
+            <a:spAutoFit/>
+          </a:bodyPr>
+          <a:lstStyle/>
+          <a:p>
+            <a:pPr algn="ctr">
+              <a:lnSpc>
+                <a:spcPct val="150000"/>
+              </a:lnSpc>
+            </a:pPr>
+            <a:r>
+              <a:rPr lang="ko-KR" altLang="en-US" sz="2800" b="1" spc="-100" dirty="0" smtClean="0">
+                <a:solidFill>
+                  <a:srgbClr val="726868"/>
+                </a:solidFill>
+                <a:latin typeface="맑은 고딕" panose="020B0503020000020004" pitchFamily="50" charset="-127"/>
+                <a:ea typeface="맑은 고딕" panose="020B0503020000020004" pitchFamily="50" charset="-127"/>
+                <a:cs typeface="+mj-cs"/>
+              </a:rPr>
+              <a:t>요구사항 분석</a:t>
+            </a:r>
+            <a:r>
+              <a:rPr lang="en-US" altLang="ko-KR" sz="2800" b="1" spc="-100" dirty="0" smtClean="0">
+                <a:solidFill>
+                  <a:srgbClr val="726868"/>
+                </a:solidFill>
+                <a:latin typeface="맑은 고딕" panose="020B0503020000020004" pitchFamily="50" charset="-127"/>
+                <a:ea typeface="맑은 고딕" panose="020B0503020000020004" pitchFamily="50" charset="-127"/>
+                <a:cs typeface="+mj-cs"/>
+              </a:rPr>
+              <a:t>, UI </a:t>
+            </a:r>
+            <a:r>
+              <a:rPr lang="ko-KR" altLang="en-US" sz="2800" b="1" spc="-100" dirty="0" smtClean="0">
+                <a:solidFill>
+                  <a:srgbClr val="726868"/>
+                </a:solidFill>
+                <a:latin typeface="맑은 고딕" panose="020B0503020000020004" pitchFamily="50" charset="-127"/>
+                <a:ea typeface="맑은 고딕" panose="020B0503020000020004" pitchFamily="50" charset="-127"/>
+                <a:cs typeface="+mj-cs"/>
+              </a:rPr>
+              <a:t>설계</a:t>
+            </a:r>
+            <a:r>
+              <a:rPr lang="en-US" altLang="ko-KR" sz="2800" b="1" spc="-100" dirty="0" smtClean="0">
+                <a:solidFill>
+                  <a:srgbClr val="726868"/>
+                </a:solidFill>
+                <a:latin typeface="맑은 고딕" panose="020B0503020000020004" pitchFamily="50" charset="-127"/>
+                <a:ea typeface="맑은 고딕" panose="020B0503020000020004" pitchFamily="50" charset="-127"/>
+                <a:cs typeface="+mj-cs"/>
+              </a:rPr>
+              <a:t>, </a:t>
+            </a:r>
+            <a:r>
+              <a:rPr lang="ko-KR" altLang="en-US" sz="2800" b="1" spc="-100" dirty="0" smtClean="0">
+                <a:solidFill>
+                  <a:srgbClr val="726868"/>
+                </a:solidFill>
+                <a:latin typeface="맑은 고딕" panose="020B0503020000020004" pitchFamily="50" charset="-127"/>
+                <a:ea typeface="맑은 고딕" panose="020B0503020000020004" pitchFamily="50" charset="-127"/>
+                <a:cs typeface="+mj-cs"/>
+              </a:rPr>
+              <a:t>초기 데이터 수집 완료</a:t>
+            </a:r>
+            <a:endParaRPr lang="en-US" altLang="ko-KR" sz="2800" b="1" spc="-100" dirty="0" smtClean="0">
+              <a:solidFill>
+                <a:srgbClr val="726868"/>
+              </a:solidFill>
+              <a:latin typeface="맑은 고딕" panose="020B0503020000020004" pitchFamily="50" charset="-127"/>
+              <a:ea typeface="맑은 고딕" panose="020B0503020000020004" pitchFamily="50" charset="-127"/>
+              <a:cs typeface="+mj-cs"/>
+            </a:endParaRPr>
+          </a:p>
+          <a:p>
+            <a:pPr algn="ctr">
+              <a:lnSpc>
+                <a:spcPct val="150000"/>
+              </a:lnSpc>
+            </a:pPr>
+            <a:r>
+              <a:rPr lang="ko-KR" altLang="en-US" sz="2800" b="1" spc="-100" dirty="0" smtClean="0">
+                <a:solidFill>
+                  <a:srgbClr val="726868"/>
+                </a:solidFill>
+                <a:latin typeface="맑은 고딕" panose="020B0503020000020004" pitchFamily="50" charset="-127"/>
+                <a:ea typeface="맑은 고딕" panose="020B0503020000020004" pitchFamily="50" charset="-127"/>
+                <a:cs typeface="+mj-cs"/>
+              </a:rPr>
+              <a:t>빠른 시일내 웹 페이지 및 추천 알고리즘 개발 착수</a:t>
+            </a:r>
+            <a:endParaRPr lang="en-US" altLang="ko-KR" sz="2800" b="1" spc="-100" dirty="0" smtClean="0">
+              <a:solidFill>
+                <a:srgbClr val="726868"/>
+              </a:solidFill>
+              <a:latin typeface="맑은 고딕" panose="020B0503020000020004" pitchFamily="50" charset="-127"/>
+              <a:ea typeface="맑은 고딕" panose="020B0503020000020004" pitchFamily="50" charset="-127"/>
+              <a:cs typeface="+mj-cs"/>
+            </a:endParaRPr>
+          </a:p>
+        </p:txBody>
+      </p:sp>
+    </p:spTree>
+    <p:extLst>
+      <p:ext uri="{BB962C8B-B14F-4D97-AF65-F5344CB8AC3E}">
+        <p14:creationId xmlns:p14="http://schemas.microsoft.com/office/powerpoint/2010/main" val="2628056471"/>
+      </p:ext>
+    </p:extLst>
+  </p:cSld>
+  <p:clrMapOvr>
+    <a:masterClrMapping/>
+  </p:clrMapOvr>
+  <p:timing>
+    <p:tnLst>
+      <p:par>
+        <p:cTn id="1" dur="indefinite" restart="never" nodeType="tmRoot"/>
+      </p:par>
+    </p:tnLst>
+  </p:timing>
+</p:sld>
+</file>
+
+<file path=ppt/slides/slide16.xml><?xml version="1.0" encoding="utf-8"?>
+<p:sld xmlns:a="http://schemas.openxmlformats.org/drawingml/2006/main" xmlns:r="http://schemas.openxmlformats.org/officeDocument/2006/relationships" xmlns:p="http://schemas.openxmlformats.org/presentationml/2006/main">
+  <p:cSld>
+    <p:spTree>
+      <p:nvGrpSpPr>
+        <p:cNvPr id="1" name=""/>
+        <p:cNvGrpSpPr/>
+        <p:nvPr/>
+      </p:nvGrpSpPr>
+      <p:grpSpPr>
+        <a:xfrm>
+          <a:off x="0" y="0"/>
+          <a:ext cx="0" cy="0"/>
+          <a:chOff x="0" y="0"/>
+          <a:chExt cx="0" cy="0"/>
+        </a:xfrm>
+      </p:grpSpPr>
+      <p:sp>
+        <p:nvSpPr>
           <p:cNvPr id="9" name="직사각형 8"/>
           <p:cNvSpPr/>
           <p:nvPr/>
@@ -5774,7 +6629,7 @@
 </p:sld>
 </file>
 
-<file path=ppt/slides/slide15.xml><?xml version="1.0" encoding="utf-8"?>
+<file path=ppt/slides/slide17.xml><?xml version="1.0" encoding="utf-8"?>
 <p:sld xmlns:a="http://schemas.openxmlformats.org/drawingml/2006/main" xmlns:r="http://schemas.openxmlformats.org/officeDocument/2006/relationships" xmlns:p="http://schemas.openxmlformats.org/presentationml/2006/main">
   <p:cSld>
     <p:spTree>
@@ -6423,7 +7278,7 @@
 </p:sld>
 </file>
 
-<file path=ppt/slides/slide16.xml><?xml version="1.0" encoding="utf-8"?>
+<file path=ppt/slides/slide18.xml><?xml version="1.0" encoding="utf-8"?>
 <p:sld xmlns:a="http://schemas.openxmlformats.org/drawingml/2006/main" xmlns:r="http://schemas.openxmlformats.org/officeDocument/2006/relationships" xmlns:p="http://schemas.openxmlformats.org/presentationml/2006/main">
   <p:cSld>
     <p:spTree>
@@ -6518,14 +7373,7 @@
                 <a:latin typeface="맑은 고딕" panose="020B0503020000020004" pitchFamily="50" charset="-127"/>
                 <a:ea typeface="맑은 고딕" panose="020B0503020000020004" pitchFamily="50" charset="-127"/>
               </a:rPr>
-              <a:t>유저</a:t>
-            </a:r>
-            <a:r>
-              <a:rPr lang="ko-KR" altLang="en-US" sz="2000" spc="-100" dirty="0" smtClean="0">
-                <a:latin typeface="맑은 고딕" panose="020B0503020000020004" pitchFamily="50" charset="-127"/>
-                <a:ea typeface="맑은 고딕" panose="020B0503020000020004" pitchFamily="50" charset="-127"/>
-              </a:rPr>
-              <a:t> 점수</a:t>
+              <a:t>유저 점수</a:t>
             </a:r>
             <a:endParaRPr lang="en-US" altLang="ko-KR" sz="3000" b="1" spc="-100" dirty="0">
               <a:solidFill>
@@ -6741,8 +7589,16 @@
                 <a:ea typeface="맑은 고딕" panose="020B0503020000020004" pitchFamily="50" charset="-127"/>
                 <a:cs typeface="+mj-cs"/>
               </a:rPr>
-              <a:t>:</a:t>
-            </a:r>
+              <a:t>: 1,343</a:t>
+            </a:r>
+            <a:endParaRPr lang="en-US" altLang="ko-KR" sz="2000" b="1" spc="-100" dirty="0" smtClean="0">
+              <a:solidFill>
+                <a:srgbClr val="726868"/>
+              </a:solidFill>
+              <a:latin typeface="맑은 고딕" panose="020B0503020000020004" pitchFamily="50" charset="-127"/>
+              <a:ea typeface="맑은 고딕" panose="020B0503020000020004" pitchFamily="50" charset="-127"/>
+              <a:cs typeface="+mj-cs"/>
+            </a:endParaRPr>
           </a:p>
         </p:txBody>
       </p:sp>
@@ -6754,8 +7610,8 @@
         </p:nvSpPr>
         <p:spPr>
           <a:xfrm>
-            <a:off x="423266" y="4437112"/>
-            <a:ext cx="8297464" cy="1292662"/>
+            <a:off x="325483" y="4437112"/>
+            <a:ext cx="8493031" cy="1292662"/>
           </a:xfrm>
           <a:prstGeom prst="rect">
             <a:avLst/>
@@ -6837,14 +7693,24 @@
               <a:t>평균 </a:t>
             </a:r>
             <a:r>
-              <a:rPr lang="en-US" altLang="ko-KR" sz="2800" b="1" spc="-100" dirty="0" smtClean="0">
+              <a:rPr lang="en-US" altLang="ko-KR" sz="2800" b="1" spc="-100" smtClean="0">
                 <a:solidFill>
                   <a:srgbClr val="FF4B4B"/>
                 </a:solidFill>
                 <a:latin typeface="맑은 고딕" panose="020B0503020000020004" pitchFamily="50" charset="-127"/>
                 <a:ea typeface="맑은 고딕" panose="020B0503020000020004" pitchFamily="50" charset="-127"/>
               </a:rPr>
-              <a:t>00</a:t>
+              <a:t>600</a:t>
+            </a:r>
+            <a:r>
+              <a:rPr lang="ko-KR" altLang="en-US" sz="2800" b="1" spc="-100" smtClean="0">
+                <a:solidFill>
+                  <a:srgbClr val="FF4B4B"/>
+                </a:solidFill>
+                <a:latin typeface="맑은 고딕" panose="020B0503020000020004" pitchFamily="50" charset="-127"/>
+                <a:ea typeface="맑은 고딕" panose="020B0503020000020004" pitchFamily="50" charset="-127"/>
+              </a:rPr>
+              <a:t>여개의 </a:t>
             </a:r>
             <a:r>
               <a:rPr lang="ko-KR" altLang="en-US" sz="2800" b="1" spc="-100" dirty="0" smtClean="0">
@@ -6854,7 +7720,7 @@
                 <a:latin typeface="맑은 고딕" panose="020B0503020000020004" pitchFamily="50" charset="-127"/>
                 <a:ea typeface="맑은 고딕" panose="020B0503020000020004" pitchFamily="50" charset="-127"/>
               </a:rPr>
-              <a:t>여개의 유저 점수를 가지는 것을 확인 하였음</a:t>
+              <a:t>유저 점수를 가지는 것을 확인 하였음</a:t>
             </a:r>
             <a:endParaRPr lang="en-US" altLang="ko-KR" sz="2800" b="1" spc="-100" dirty="0">
               <a:solidFill>
@@ -6981,7 +7847,7 @@
 </p:sld>
 </file>
 
-<file path=ppt/slides/slide17.xml><?xml version="1.0" encoding="utf-8"?>
+<file path=ppt/slides/slide19.xml><?xml version="1.0" encoding="utf-8"?>
 <p:sld xmlns:a="http://schemas.openxmlformats.org/drawingml/2006/main" xmlns:r="http://schemas.openxmlformats.org/officeDocument/2006/relationships" xmlns:p="http://schemas.openxmlformats.org/presentationml/2006/main">
   <p:cSld>
     <p:spTree>
@@ -7584,7 +8450,636 @@
 </p:sld>
 </file>
 
-<file path=ppt/slides/slide18.xml><?xml version="1.0" encoding="utf-8"?>
+<file path=ppt/slides/slide2.xml><?xml version="1.0" encoding="utf-8"?>
+<p:sld xmlns:a="http://schemas.openxmlformats.org/drawingml/2006/main" xmlns:r="http://schemas.openxmlformats.org/officeDocument/2006/relationships" xmlns:p="http://schemas.openxmlformats.org/presentationml/2006/main">
+  <p:cSld>
+    <p:spTree>
+      <p:nvGrpSpPr>
+        <p:cNvPr id="1" name=""/>
+        <p:cNvGrpSpPr/>
+        <p:nvPr/>
+      </p:nvGrpSpPr>
+      <p:grpSpPr>
+        <a:xfrm>
+          <a:off x="0" y="0"/>
+          <a:ext cx="0" cy="0"/>
+          <a:chOff x="0" y="0"/>
+          <a:chExt cx="0" cy="0"/>
+        </a:xfrm>
+      </p:grpSpPr>
+      <p:sp>
+        <p:nvSpPr>
+          <p:cNvPr id="18" name="직사각형 17"/>
+          <p:cNvSpPr/>
+          <p:nvPr/>
+        </p:nvSpPr>
+        <p:spPr>
+          <a:xfrm>
+            <a:off x="0" y="0"/>
+            <a:ext cx="9144000" cy="6861600"/>
+          </a:xfrm>
+          <a:prstGeom prst="rect">
+            <a:avLst/>
+          </a:prstGeom>
+          <a:solidFill>
+            <a:schemeClr val="accent6">
+              <a:lumMod val="75000"/>
+            </a:schemeClr>
+          </a:solidFill>
+          <a:ln>
+            <a:noFill/>
+          </a:ln>
+        </p:spPr>
+        <p:style>
+          <a:lnRef idx="2">
+            <a:schemeClr val="accent1">
+              <a:shade val="50000"/>
+            </a:schemeClr>
+          </a:lnRef>
+          <a:fillRef idx="1">
+            <a:schemeClr val="accent1"/>
+          </a:fillRef>
+          <a:effectRef idx="0">
+            <a:schemeClr val="accent1"/>
+          </a:effectRef>
+          <a:fontRef idx="minor">
+            <a:schemeClr val="lt1"/>
+          </a:fontRef>
+        </p:style>
+        <p:txBody>
+          <a:bodyPr rtlCol="0" anchor="ctr"/>
+          <a:lstStyle/>
+          <a:p>
+            <a:pPr algn="ctr"/>
+            <a:endParaRPr lang="ko-KR" altLang="en-US" dirty="0">
+              <a:latin typeface="맑은 고딕" panose="020B0503020000020004" pitchFamily="50" charset="-127"/>
+              <a:ea typeface="맑은 고딕" panose="020B0503020000020004" pitchFamily="50" charset="-127"/>
+            </a:endParaRPr>
+          </a:p>
+        </p:txBody>
+      </p:sp>
+      <p:sp>
+        <p:nvSpPr>
+          <p:cNvPr id="2" name="제목 1"/>
+          <p:cNvSpPr>
+            <a:spLocks noGrp="1"/>
+          </p:cNvSpPr>
+          <p:nvPr>
+            <p:ph type="ctrTitle"/>
+          </p:nvPr>
+        </p:nvSpPr>
+        <p:spPr>
+          <a:xfrm>
+            <a:off x="323528" y="260648"/>
+            <a:ext cx="2880320" cy="576064"/>
+          </a:xfrm>
+        </p:spPr>
+        <p:txBody>
+          <a:bodyPr>
+            <a:noAutofit/>
+          </a:bodyPr>
+          <a:lstStyle/>
+          <a:p>
+            <a:pPr algn="l"/>
+            <a:r>
+              <a:rPr lang="ko-KR" altLang="en-US" sz="3200" b="1" dirty="0">
+                <a:solidFill>
+                  <a:schemeClr val="bg1"/>
+                </a:solidFill>
+                <a:latin typeface="맑은 고딕" panose="020B0503020000020004" pitchFamily="50" charset="-127"/>
+                <a:ea typeface="맑은 고딕" panose="020B0503020000020004" pitchFamily="50" charset="-127"/>
+              </a:rPr>
+              <a:t>목차</a:t>
+            </a:r>
+          </a:p>
+        </p:txBody>
+      </p:sp>
+      <p:sp>
+        <p:nvSpPr>
+          <p:cNvPr id="22" name="부제목 2"/>
+          <p:cNvSpPr txBox="1">
+            <a:spLocks/>
+          </p:cNvSpPr>
+          <p:nvPr/>
+        </p:nvSpPr>
+        <p:spPr>
+          <a:xfrm>
+            <a:off x="2699792" y="1669531"/>
+            <a:ext cx="3312368" cy="360040"/>
+          </a:xfrm>
+          <a:prstGeom prst="rect">
+            <a:avLst/>
+          </a:prstGeom>
+        </p:spPr>
+        <p:txBody>
+          <a:bodyPr vert="horz" lIns="91440" tIns="45720" rIns="91440" bIns="45720" rtlCol="0">
+            <a:noAutofit/>
+          </a:bodyPr>
+          <a:lstStyle/>
+          <a:p>
+            <a:pPr lvl="0">
+              <a:spcBef>
+                <a:spcPct val="20000"/>
+              </a:spcBef>
+              <a:defRPr/>
+            </a:pPr>
+            <a:r>
+              <a:rPr kumimoji="0" lang="en-US" altLang="ko-KR" b="1" i="0" u="none" strike="noStrike" kern="1200" cap="none" spc="-20" normalizeH="0" baseline="0" noProof="0" dirty="0" smtClean="0">
+                <a:ln>
+                  <a:noFill/>
+                </a:ln>
+                <a:solidFill>
+                  <a:schemeClr val="bg1"/>
+                </a:solidFill>
+                <a:effectLst/>
+                <a:uLnTx/>
+                <a:uFillTx/>
+                <a:latin typeface="맑은 고딕" panose="020B0503020000020004" pitchFamily="50" charset="-127"/>
+                <a:ea typeface="맑은 고딕" panose="020B0503020000020004" pitchFamily="50" charset="-127"/>
+              </a:rPr>
+              <a:t>02  </a:t>
+            </a:r>
+            <a:r>
+              <a:rPr lang="ko-KR" altLang="en-US" b="1" spc="-20" dirty="0" smtClean="0">
+                <a:solidFill>
+                  <a:schemeClr val="bg1"/>
+                </a:solidFill>
+                <a:latin typeface="맑은 고딕" panose="020B0503020000020004" pitchFamily="50" charset="-127"/>
+                <a:ea typeface="맑은 고딕" panose="020B0503020000020004" pitchFamily="50" charset="-127"/>
+              </a:rPr>
+              <a:t>프로젝트 진행 결과</a:t>
+            </a:r>
+            <a:endParaRPr kumimoji="0" lang="en-US" altLang="ko-KR" b="1" i="0" u="none" strike="noStrike" kern="1200" cap="none" spc="-20" normalizeH="0" baseline="0" noProof="0" dirty="0">
+              <a:ln>
+                <a:noFill/>
+              </a:ln>
+              <a:solidFill>
+                <a:schemeClr val="bg1"/>
+              </a:solidFill>
+              <a:effectLst/>
+              <a:uLnTx/>
+              <a:uFillTx/>
+              <a:latin typeface="맑은 고딕" panose="020B0503020000020004" pitchFamily="50" charset="-127"/>
+              <a:ea typeface="맑은 고딕" panose="020B0503020000020004" pitchFamily="50" charset="-127"/>
+            </a:endParaRPr>
+          </a:p>
+        </p:txBody>
+      </p:sp>
+      <p:cxnSp>
+        <p:nvCxnSpPr>
+          <p:cNvPr id="39" name="직선 연결선 38"/>
+          <p:cNvCxnSpPr/>
+          <p:nvPr/>
+        </p:nvCxnSpPr>
+        <p:spPr>
+          <a:xfrm>
+            <a:off x="2771800" y="1597523"/>
+            <a:ext cx="2952328" cy="0"/>
+          </a:xfrm>
+          <a:prstGeom prst="line">
+            <a:avLst/>
+          </a:prstGeom>
+          <a:ln w="76200">
+            <a:solidFill>
+              <a:schemeClr val="bg1"/>
+            </a:solidFill>
+          </a:ln>
+        </p:spPr>
+        <p:style>
+          <a:lnRef idx="1">
+            <a:schemeClr val="accent1"/>
+          </a:lnRef>
+          <a:fillRef idx="0">
+            <a:schemeClr val="accent1"/>
+          </a:fillRef>
+          <a:effectRef idx="0">
+            <a:schemeClr val="accent1"/>
+          </a:effectRef>
+          <a:fontRef idx="minor">
+            <a:schemeClr val="tx1"/>
+          </a:fontRef>
+        </p:style>
+      </p:cxnSp>
+      <p:sp>
+        <p:nvSpPr>
+          <p:cNvPr id="41" name="부제목 2"/>
+          <p:cNvSpPr txBox="1">
+            <a:spLocks/>
+          </p:cNvSpPr>
+          <p:nvPr/>
+        </p:nvSpPr>
+        <p:spPr>
+          <a:xfrm>
+            <a:off x="2699792" y="2636912"/>
+            <a:ext cx="3312368" cy="360040"/>
+          </a:xfrm>
+          <a:prstGeom prst="rect">
+            <a:avLst/>
+          </a:prstGeom>
+        </p:spPr>
+        <p:txBody>
+          <a:bodyPr vert="horz" lIns="91440" tIns="45720" rIns="91440" bIns="45720" rtlCol="0">
+            <a:noAutofit/>
+          </a:bodyPr>
+          <a:lstStyle/>
+          <a:p>
+            <a:pPr marL="0" marR="0" lvl="0" indent="0" algn="l" defTabSz="914400" rtl="0" eaLnBrk="1" fontAlgn="auto" latinLnBrk="1" hangingPunct="1">
+              <a:lnSpc>
+                <a:spcPct val="100000"/>
+              </a:lnSpc>
+              <a:spcBef>
+                <a:spcPct val="20000"/>
+              </a:spcBef>
+              <a:spcAft>
+                <a:spcPts val="0"/>
+              </a:spcAft>
+              <a:buClrTx/>
+              <a:buSzTx/>
+              <a:buFont typeface="Arial" pitchFamily="34" charset="0"/>
+              <a:buNone/>
+              <a:tabLst/>
+              <a:defRPr/>
+            </a:pPr>
+            <a:r>
+              <a:rPr kumimoji="0" lang="en-US" altLang="ko-KR" b="1" i="0" u="none" strike="noStrike" kern="1200" cap="none" spc="-20" normalizeH="0" baseline="0" noProof="0" dirty="0" smtClean="0">
+                <a:ln>
+                  <a:noFill/>
+                </a:ln>
+                <a:solidFill>
+                  <a:schemeClr val="bg1"/>
+                </a:solidFill>
+                <a:effectLst/>
+                <a:uLnTx/>
+                <a:uFillTx/>
+                <a:latin typeface="맑은 고딕" panose="020B0503020000020004" pitchFamily="50" charset="-127"/>
+                <a:ea typeface="맑은 고딕" panose="020B0503020000020004" pitchFamily="50" charset="-127"/>
+              </a:rPr>
+              <a:t>03  </a:t>
+            </a:r>
+            <a:r>
+              <a:rPr kumimoji="0" lang="ko-KR" altLang="en-US" b="1" i="0" u="none" strike="noStrike" kern="1200" cap="none" spc="-20" normalizeH="0" baseline="0" noProof="0" dirty="0" smtClean="0">
+                <a:ln>
+                  <a:noFill/>
+                </a:ln>
+                <a:solidFill>
+                  <a:schemeClr val="bg1"/>
+                </a:solidFill>
+                <a:effectLst/>
+                <a:uLnTx/>
+                <a:uFillTx/>
+                <a:latin typeface="맑은 고딕" panose="020B0503020000020004" pitchFamily="50" charset="-127"/>
+                <a:ea typeface="맑은 고딕" panose="020B0503020000020004" pitchFamily="50" charset="-127"/>
+              </a:rPr>
+              <a:t>초기 데이터 수집 결과</a:t>
+            </a:r>
+            <a:endParaRPr kumimoji="0" lang="en-US" altLang="ko-KR" b="1" i="0" u="none" strike="noStrike" kern="1200" cap="none" spc="-20" normalizeH="0" baseline="0" noProof="0" dirty="0">
+              <a:ln>
+                <a:noFill/>
+              </a:ln>
+              <a:solidFill>
+                <a:schemeClr val="bg1"/>
+              </a:solidFill>
+              <a:effectLst/>
+              <a:uLnTx/>
+              <a:uFillTx/>
+              <a:latin typeface="맑은 고딕" panose="020B0503020000020004" pitchFamily="50" charset="-127"/>
+              <a:ea typeface="맑은 고딕" panose="020B0503020000020004" pitchFamily="50" charset="-127"/>
+            </a:endParaRPr>
+          </a:p>
+        </p:txBody>
+      </p:sp>
+      <p:cxnSp>
+        <p:nvCxnSpPr>
+          <p:cNvPr id="32" name="직선 연결선 31"/>
+          <p:cNvCxnSpPr/>
+          <p:nvPr/>
+        </p:nvCxnSpPr>
+        <p:spPr>
+          <a:xfrm>
+            <a:off x="2771800" y="2564904"/>
+            <a:ext cx="2952328" cy="0"/>
+          </a:xfrm>
+          <a:prstGeom prst="line">
+            <a:avLst/>
+          </a:prstGeom>
+          <a:ln w="76200">
+            <a:solidFill>
+              <a:schemeClr val="bg1"/>
+            </a:solidFill>
+          </a:ln>
+        </p:spPr>
+        <p:style>
+          <a:lnRef idx="1">
+            <a:schemeClr val="accent1"/>
+          </a:lnRef>
+          <a:fillRef idx="0">
+            <a:schemeClr val="accent1"/>
+          </a:fillRef>
+          <a:effectRef idx="0">
+            <a:schemeClr val="accent1"/>
+          </a:effectRef>
+          <a:fontRef idx="minor">
+            <a:schemeClr val="tx1"/>
+          </a:fontRef>
+        </p:style>
+      </p:cxnSp>
+      <p:sp>
+        <p:nvSpPr>
+          <p:cNvPr id="47" name="부제목 2"/>
+          <p:cNvSpPr txBox="1">
+            <a:spLocks/>
+          </p:cNvSpPr>
+          <p:nvPr/>
+        </p:nvSpPr>
+        <p:spPr>
+          <a:xfrm>
+            <a:off x="2699792" y="609776"/>
+            <a:ext cx="3312368" cy="360040"/>
+          </a:xfrm>
+          <a:prstGeom prst="rect">
+            <a:avLst/>
+          </a:prstGeom>
+        </p:spPr>
+        <p:txBody>
+          <a:bodyPr vert="horz" lIns="91440" tIns="45720" rIns="91440" bIns="45720" rtlCol="0">
+            <a:noAutofit/>
+          </a:bodyPr>
+          <a:lstStyle/>
+          <a:p>
+            <a:pPr marL="0" marR="0" lvl="0" indent="0" algn="l" defTabSz="914400" rtl="0" eaLnBrk="1" fontAlgn="auto" latinLnBrk="1" hangingPunct="1">
+              <a:lnSpc>
+                <a:spcPct val="100000"/>
+              </a:lnSpc>
+              <a:spcBef>
+                <a:spcPct val="20000"/>
+              </a:spcBef>
+              <a:spcAft>
+                <a:spcPts val="0"/>
+              </a:spcAft>
+              <a:buClrTx/>
+              <a:buSzTx/>
+              <a:buFont typeface="Arial" pitchFamily="34" charset="0"/>
+              <a:buNone/>
+              <a:tabLst/>
+              <a:defRPr/>
+            </a:pPr>
+            <a:r>
+              <a:rPr kumimoji="0" lang="en-US" altLang="ko-KR" b="1" i="0" u="none" strike="noStrike" kern="1200" cap="none" spc="-20" normalizeH="0" baseline="0" noProof="0" dirty="0" smtClean="0">
+                <a:ln>
+                  <a:noFill/>
+                </a:ln>
+                <a:solidFill>
+                  <a:schemeClr val="bg1"/>
+                </a:solidFill>
+                <a:effectLst/>
+                <a:uLnTx/>
+                <a:uFillTx/>
+                <a:latin typeface="맑은 고딕" panose="020B0503020000020004" pitchFamily="50" charset="-127"/>
+                <a:ea typeface="맑은 고딕" panose="020B0503020000020004" pitchFamily="50" charset="-127"/>
+              </a:rPr>
+              <a:t>01</a:t>
+            </a:r>
+            <a:r>
+              <a:rPr kumimoji="0" lang="en-US" altLang="ko-KR" b="1" i="0" u="none" strike="noStrike" kern="1200" cap="none" spc="-20" normalizeH="0" noProof="0" dirty="0" smtClean="0">
+                <a:ln>
+                  <a:noFill/>
+                </a:ln>
+                <a:solidFill>
+                  <a:schemeClr val="bg1"/>
+                </a:solidFill>
+                <a:effectLst/>
+                <a:uLnTx/>
+                <a:uFillTx/>
+                <a:latin typeface="맑은 고딕" panose="020B0503020000020004" pitchFamily="50" charset="-127"/>
+                <a:ea typeface="맑은 고딕" panose="020B0503020000020004" pitchFamily="50" charset="-127"/>
+              </a:rPr>
+              <a:t>  </a:t>
+            </a:r>
+            <a:r>
+              <a:rPr kumimoji="0" lang="ko-KR" altLang="en-US" b="1" i="0" u="none" strike="noStrike" kern="1200" cap="none" spc="-20" normalizeH="0" noProof="0" dirty="0" smtClean="0">
+                <a:ln>
+                  <a:noFill/>
+                </a:ln>
+                <a:solidFill>
+                  <a:schemeClr val="bg1"/>
+                </a:solidFill>
+                <a:effectLst/>
+                <a:uLnTx/>
+                <a:uFillTx/>
+                <a:latin typeface="맑은 고딕" panose="020B0503020000020004" pitchFamily="50" charset="-127"/>
+                <a:ea typeface="맑은 고딕" panose="020B0503020000020004" pitchFamily="50" charset="-127"/>
+              </a:rPr>
+              <a:t>프로젝트 진행 결과</a:t>
+            </a:r>
+            <a:endParaRPr kumimoji="0" lang="en-US" altLang="ko-KR" b="1" i="0" u="none" strike="noStrike" kern="1200" cap="none" spc="-20" normalizeH="0" baseline="0" noProof="0" dirty="0">
+              <a:ln>
+                <a:noFill/>
+              </a:ln>
+              <a:solidFill>
+                <a:schemeClr val="bg1"/>
+              </a:solidFill>
+              <a:effectLst/>
+              <a:uLnTx/>
+              <a:uFillTx/>
+              <a:latin typeface="맑은 고딕" panose="020B0503020000020004" pitchFamily="50" charset="-127"/>
+              <a:ea typeface="맑은 고딕" panose="020B0503020000020004" pitchFamily="50" charset="-127"/>
+            </a:endParaRPr>
+          </a:p>
+        </p:txBody>
+      </p:sp>
+      <p:cxnSp>
+        <p:nvCxnSpPr>
+          <p:cNvPr id="49" name="직선 연결선 48"/>
+          <p:cNvCxnSpPr/>
+          <p:nvPr/>
+        </p:nvCxnSpPr>
+        <p:spPr>
+          <a:xfrm>
+            <a:off x="2771800" y="537768"/>
+            <a:ext cx="2952328" cy="0"/>
+          </a:xfrm>
+          <a:prstGeom prst="line">
+            <a:avLst/>
+          </a:prstGeom>
+          <a:ln w="76200">
+            <a:solidFill>
+              <a:schemeClr val="bg1"/>
+            </a:solidFill>
+          </a:ln>
+        </p:spPr>
+        <p:style>
+          <a:lnRef idx="1">
+            <a:schemeClr val="accent1"/>
+          </a:lnRef>
+          <a:fillRef idx="0">
+            <a:schemeClr val="accent1"/>
+          </a:fillRef>
+          <a:effectRef idx="0">
+            <a:schemeClr val="accent1"/>
+          </a:effectRef>
+          <a:fontRef idx="minor">
+            <a:schemeClr val="tx1"/>
+          </a:fontRef>
+        </p:style>
+      </p:cxnSp>
+      <p:cxnSp>
+        <p:nvCxnSpPr>
+          <p:cNvPr id="13" name="직선 연결선 12"/>
+          <p:cNvCxnSpPr/>
+          <p:nvPr/>
+        </p:nvCxnSpPr>
+        <p:spPr>
+          <a:xfrm>
+            <a:off x="2771800" y="2571246"/>
+            <a:ext cx="2952328" cy="0"/>
+          </a:xfrm>
+          <a:prstGeom prst="line">
+            <a:avLst/>
+          </a:prstGeom>
+          <a:ln w="76200">
+            <a:solidFill>
+              <a:schemeClr val="bg1"/>
+            </a:solidFill>
+          </a:ln>
+        </p:spPr>
+        <p:style>
+          <a:lnRef idx="1">
+            <a:schemeClr val="accent1"/>
+          </a:lnRef>
+          <a:fillRef idx="0">
+            <a:schemeClr val="accent1"/>
+          </a:fillRef>
+          <a:effectRef idx="0">
+            <a:schemeClr val="accent1"/>
+          </a:effectRef>
+          <a:fontRef idx="minor">
+            <a:schemeClr val="tx1"/>
+          </a:fontRef>
+        </p:style>
+      </p:cxnSp>
+      <p:sp>
+        <p:nvSpPr>
+          <p:cNvPr id="14" name="부제목 2"/>
+          <p:cNvSpPr txBox="1">
+            <a:spLocks/>
+          </p:cNvSpPr>
+          <p:nvPr/>
+        </p:nvSpPr>
+        <p:spPr>
+          <a:xfrm>
+            <a:off x="2699792" y="3610635"/>
+            <a:ext cx="3312368" cy="360040"/>
+          </a:xfrm>
+          <a:prstGeom prst="rect">
+            <a:avLst/>
+          </a:prstGeom>
+        </p:spPr>
+        <p:txBody>
+          <a:bodyPr vert="horz" lIns="91440" tIns="45720" rIns="91440" bIns="45720" rtlCol="0">
+            <a:noAutofit/>
+          </a:bodyPr>
+          <a:lstStyle/>
+          <a:p>
+            <a:pPr marL="0" marR="0" lvl="0" indent="0" algn="l" defTabSz="914400" rtl="0" eaLnBrk="1" fontAlgn="auto" latinLnBrk="1" hangingPunct="1">
+              <a:lnSpc>
+                <a:spcPct val="100000"/>
+              </a:lnSpc>
+              <a:spcBef>
+                <a:spcPct val="20000"/>
+              </a:spcBef>
+              <a:spcAft>
+                <a:spcPts val="0"/>
+              </a:spcAft>
+              <a:buClrTx/>
+              <a:buSzTx/>
+              <a:buFont typeface="Arial" pitchFamily="34" charset="0"/>
+              <a:buNone/>
+              <a:tabLst/>
+              <a:defRPr/>
+            </a:pPr>
+            <a:r>
+              <a:rPr kumimoji="0" lang="en-US" altLang="ko-KR" b="1" i="0" u="none" strike="noStrike" kern="1200" cap="none" spc="-20" normalizeH="0" baseline="0" noProof="0" dirty="0" smtClean="0">
+                <a:ln>
+                  <a:noFill/>
+                </a:ln>
+                <a:solidFill>
+                  <a:schemeClr val="bg1"/>
+                </a:solidFill>
+                <a:effectLst/>
+                <a:uLnTx/>
+                <a:uFillTx/>
+                <a:latin typeface="맑은 고딕" panose="020B0503020000020004" pitchFamily="50" charset="-127"/>
+                <a:ea typeface="맑은 고딕" panose="020B0503020000020004" pitchFamily="50" charset="-127"/>
+              </a:rPr>
+              <a:t>03  Q &amp; A</a:t>
+            </a:r>
+            <a:endParaRPr kumimoji="0" lang="en-US" altLang="ko-KR" b="1" i="0" u="none" strike="noStrike" kern="1200" cap="none" spc="-20" normalizeH="0" baseline="0" noProof="0" dirty="0">
+              <a:ln>
+                <a:noFill/>
+              </a:ln>
+              <a:solidFill>
+                <a:schemeClr val="bg1"/>
+              </a:solidFill>
+              <a:effectLst/>
+              <a:uLnTx/>
+              <a:uFillTx/>
+              <a:latin typeface="맑은 고딕" panose="020B0503020000020004" pitchFamily="50" charset="-127"/>
+              <a:ea typeface="맑은 고딕" panose="020B0503020000020004" pitchFamily="50" charset="-127"/>
+            </a:endParaRPr>
+          </a:p>
+        </p:txBody>
+      </p:sp>
+      <p:cxnSp>
+        <p:nvCxnSpPr>
+          <p:cNvPr id="15" name="직선 연결선 14"/>
+          <p:cNvCxnSpPr/>
+          <p:nvPr/>
+        </p:nvCxnSpPr>
+        <p:spPr>
+          <a:xfrm>
+            <a:off x="2771800" y="3538627"/>
+            <a:ext cx="2952328" cy="0"/>
+          </a:xfrm>
+          <a:prstGeom prst="line">
+            <a:avLst/>
+          </a:prstGeom>
+          <a:ln w="76200">
+            <a:solidFill>
+              <a:schemeClr val="bg1"/>
+            </a:solidFill>
+          </a:ln>
+        </p:spPr>
+        <p:style>
+          <a:lnRef idx="1">
+            <a:schemeClr val="accent1"/>
+          </a:lnRef>
+          <a:fillRef idx="0">
+            <a:schemeClr val="accent1"/>
+          </a:fillRef>
+          <a:effectRef idx="0">
+            <a:schemeClr val="accent1"/>
+          </a:effectRef>
+          <a:fontRef idx="minor">
+            <a:schemeClr val="tx1"/>
+          </a:fontRef>
+        </p:style>
+      </p:cxnSp>
+    </p:spTree>
+  </p:cSld>
+  <p:clrMapOvr>
+    <a:masterClrMapping/>
+  </p:clrMapOvr>
+  <p:timing>
+    <p:tnLst>
+      <p:par>
+        <p:cTn id="1" dur="indefinite" restart="never" nodeType="tmRoot"/>
+      </p:par>
+    </p:tnLst>
+  </p:timing>
+</p:sld>
+</file>
+
+<file path=ppt/slides/slide20.xml><?xml version="1.0" encoding="utf-8"?>
 <p:sld xmlns:a="http://schemas.openxmlformats.org/drawingml/2006/main" xmlns:r="http://schemas.openxmlformats.org/officeDocument/2006/relationships" xmlns:p="http://schemas.openxmlformats.org/presentationml/2006/main">
   <p:cSld>
     <p:spTree>
@@ -7955,7 +9450,7 @@
 </p:sld>
 </file>
 
-<file path=ppt/slides/slide19.xml><?xml version="1.0" encoding="utf-8"?>
+<file path=ppt/slides/slide21.xml><?xml version="1.0" encoding="utf-8"?>
 <p:sld xmlns:a="http://schemas.openxmlformats.org/drawingml/2006/main" xmlns:r="http://schemas.openxmlformats.org/officeDocument/2006/relationships" xmlns:p="http://schemas.openxmlformats.org/presentationml/2006/main">
   <p:cSld>
     <p:spTree>
@@ -8424,636 +9919,7 @@
 </p:sld>
 </file>
 
-<file path=ppt/slides/slide2.xml><?xml version="1.0" encoding="utf-8"?>
-<p:sld xmlns:a="http://schemas.openxmlformats.org/drawingml/2006/main" xmlns:r="http://schemas.openxmlformats.org/officeDocument/2006/relationships" xmlns:p="http://schemas.openxmlformats.org/presentationml/2006/main">
-  <p:cSld>
-    <p:spTree>
-      <p:nvGrpSpPr>
-        <p:cNvPr id="1" name=""/>
-        <p:cNvGrpSpPr/>
-        <p:nvPr/>
-      </p:nvGrpSpPr>
-      <p:grpSpPr>
-        <a:xfrm>
-          <a:off x="0" y="0"/>
-          <a:ext cx="0" cy="0"/>
-          <a:chOff x="0" y="0"/>
-          <a:chExt cx="0" cy="0"/>
-        </a:xfrm>
-      </p:grpSpPr>
-      <p:sp>
-        <p:nvSpPr>
-          <p:cNvPr id="18" name="직사각형 17"/>
-          <p:cNvSpPr/>
-          <p:nvPr/>
-        </p:nvSpPr>
-        <p:spPr>
-          <a:xfrm>
-            <a:off x="0" y="0"/>
-            <a:ext cx="9144000" cy="6861600"/>
-          </a:xfrm>
-          <a:prstGeom prst="rect">
-            <a:avLst/>
-          </a:prstGeom>
-          <a:solidFill>
-            <a:schemeClr val="accent6">
-              <a:lumMod val="75000"/>
-            </a:schemeClr>
-          </a:solidFill>
-          <a:ln>
-            <a:noFill/>
-          </a:ln>
-        </p:spPr>
-        <p:style>
-          <a:lnRef idx="2">
-            <a:schemeClr val="accent1">
-              <a:shade val="50000"/>
-            </a:schemeClr>
-          </a:lnRef>
-          <a:fillRef idx="1">
-            <a:schemeClr val="accent1"/>
-          </a:fillRef>
-          <a:effectRef idx="0">
-            <a:schemeClr val="accent1"/>
-          </a:effectRef>
-          <a:fontRef idx="minor">
-            <a:schemeClr val="lt1"/>
-          </a:fontRef>
-        </p:style>
-        <p:txBody>
-          <a:bodyPr rtlCol="0" anchor="ctr"/>
-          <a:lstStyle/>
-          <a:p>
-            <a:pPr algn="ctr"/>
-            <a:endParaRPr lang="ko-KR" altLang="en-US" dirty="0">
-              <a:latin typeface="맑은 고딕" panose="020B0503020000020004" pitchFamily="50" charset="-127"/>
-              <a:ea typeface="맑은 고딕" panose="020B0503020000020004" pitchFamily="50" charset="-127"/>
-            </a:endParaRPr>
-          </a:p>
-        </p:txBody>
-      </p:sp>
-      <p:sp>
-        <p:nvSpPr>
-          <p:cNvPr id="2" name="제목 1"/>
-          <p:cNvSpPr>
-            <a:spLocks noGrp="1"/>
-          </p:cNvSpPr>
-          <p:nvPr>
-            <p:ph type="ctrTitle"/>
-          </p:nvPr>
-        </p:nvSpPr>
-        <p:spPr>
-          <a:xfrm>
-            <a:off x="323528" y="260648"/>
-            <a:ext cx="2880320" cy="576064"/>
-          </a:xfrm>
-        </p:spPr>
-        <p:txBody>
-          <a:bodyPr>
-            <a:noAutofit/>
-          </a:bodyPr>
-          <a:lstStyle/>
-          <a:p>
-            <a:pPr algn="l"/>
-            <a:r>
-              <a:rPr lang="ko-KR" altLang="en-US" sz="3200" b="1" dirty="0">
-                <a:solidFill>
-                  <a:schemeClr val="bg1"/>
-                </a:solidFill>
-                <a:latin typeface="맑은 고딕" panose="020B0503020000020004" pitchFamily="50" charset="-127"/>
-                <a:ea typeface="맑은 고딕" panose="020B0503020000020004" pitchFamily="50" charset="-127"/>
-              </a:rPr>
-              <a:t>목차</a:t>
-            </a:r>
-          </a:p>
-        </p:txBody>
-      </p:sp>
-      <p:sp>
-        <p:nvSpPr>
-          <p:cNvPr id="22" name="부제목 2"/>
-          <p:cNvSpPr txBox="1">
-            <a:spLocks/>
-          </p:cNvSpPr>
-          <p:nvPr/>
-        </p:nvSpPr>
-        <p:spPr>
-          <a:xfrm>
-            <a:off x="2699792" y="1669531"/>
-            <a:ext cx="3312368" cy="360040"/>
-          </a:xfrm>
-          <a:prstGeom prst="rect">
-            <a:avLst/>
-          </a:prstGeom>
-        </p:spPr>
-        <p:txBody>
-          <a:bodyPr vert="horz" lIns="91440" tIns="45720" rIns="91440" bIns="45720" rtlCol="0">
-            <a:noAutofit/>
-          </a:bodyPr>
-          <a:lstStyle/>
-          <a:p>
-            <a:pPr lvl="0">
-              <a:spcBef>
-                <a:spcPct val="20000"/>
-              </a:spcBef>
-              <a:defRPr/>
-            </a:pPr>
-            <a:r>
-              <a:rPr kumimoji="0" lang="en-US" altLang="ko-KR" b="1" i="0" u="none" strike="noStrike" kern="1200" cap="none" spc="-20" normalizeH="0" baseline="0" noProof="0" dirty="0" smtClean="0">
-                <a:ln>
-                  <a:noFill/>
-                </a:ln>
-                <a:solidFill>
-                  <a:schemeClr val="bg1"/>
-                </a:solidFill>
-                <a:effectLst/>
-                <a:uLnTx/>
-                <a:uFillTx/>
-                <a:latin typeface="맑은 고딕" panose="020B0503020000020004" pitchFamily="50" charset="-127"/>
-                <a:ea typeface="맑은 고딕" panose="020B0503020000020004" pitchFamily="50" charset="-127"/>
-              </a:rPr>
-              <a:t>02  </a:t>
-            </a:r>
-            <a:r>
-              <a:rPr lang="ko-KR" altLang="en-US" b="1" spc="-20" dirty="0" smtClean="0">
-                <a:solidFill>
-                  <a:schemeClr val="bg1"/>
-                </a:solidFill>
-                <a:latin typeface="맑은 고딕" panose="020B0503020000020004" pitchFamily="50" charset="-127"/>
-                <a:ea typeface="맑은 고딕" panose="020B0503020000020004" pitchFamily="50" charset="-127"/>
-              </a:rPr>
-              <a:t>프로젝트 진행 결과</a:t>
-            </a:r>
-            <a:endParaRPr kumimoji="0" lang="en-US" altLang="ko-KR" b="1" i="0" u="none" strike="noStrike" kern="1200" cap="none" spc="-20" normalizeH="0" baseline="0" noProof="0" dirty="0">
-              <a:ln>
-                <a:noFill/>
-              </a:ln>
-              <a:solidFill>
-                <a:schemeClr val="bg1"/>
-              </a:solidFill>
-              <a:effectLst/>
-              <a:uLnTx/>
-              <a:uFillTx/>
-              <a:latin typeface="맑은 고딕" panose="020B0503020000020004" pitchFamily="50" charset="-127"/>
-              <a:ea typeface="맑은 고딕" panose="020B0503020000020004" pitchFamily="50" charset="-127"/>
-            </a:endParaRPr>
-          </a:p>
-        </p:txBody>
-      </p:sp>
-      <p:cxnSp>
-        <p:nvCxnSpPr>
-          <p:cNvPr id="39" name="직선 연결선 38"/>
-          <p:cNvCxnSpPr/>
-          <p:nvPr/>
-        </p:nvCxnSpPr>
-        <p:spPr>
-          <a:xfrm>
-            <a:off x="2771800" y="1597523"/>
-            <a:ext cx="2952328" cy="0"/>
-          </a:xfrm>
-          <a:prstGeom prst="line">
-            <a:avLst/>
-          </a:prstGeom>
-          <a:ln w="76200">
-            <a:solidFill>
-              <a:schemeClr val="bg1"/>
-            </a:solidFill>
-          </a:ln>
-        </p:spPr>
-        <p:style>
-          <a:lnRef idx="1">
-            <a:schemeClr val="accent1"/>
-          </a:lnRef>
-          <a:fillRef idx="0">
-            <a:schemeClr val="accent1"/>
-          </a:fillRef>
-          <a:effectRef idx="0">
-            <a:schemeClr val="accent1"/>
-          </a:effectRef>
-          <a:fontRef idx="minor">
-            <a:schemeClr val="tx1"/>
-          </a:fontRef>
-        </p:style>
-      </p:cxnSp>
-      <p:sp>
-        <p:nvSpPr>
-          <p:cNvPr id="41" name="부제목 2"/>
-          <p:cNvSpPr txBox="1">
-            <a:spLocks/>
-          </p:cNvSpPr>
-          <p:nvPr/>
-        </p:nvSpPr>
-        <p:spPr>
-          <a:xfrm>
-            <a:off x="2699792" y="2636912"/>
-            <a:ext cx="3312368" cy="360040"/>
-          </a:xfrm>
-          <a:prstGeom prst="rect">
-            <a:avLst/>
-          </a:prstGeom>
-        </p:spPr>
-        <p:txBody>
-          <a:bodyPr vert="horz" lIns="91440" tIns="45720" rIns="91440" bIns="45720" rtlCol="0">
-            <a:noAutofit/>
-          </a:bodyPr>
-          <a:lstStyle/>
-          <a:p>
-            <a:pPr marL="0" marR="0" lvl="0" indent="0" algn="l" defTabSz="914400" rtl="0" eaLnBrk="1" fontAlgn="auto" latinLnBrk="1" hangingPunct="1">
-              <a:lnSpc>
-                <a:spcPct val="100000"/>
-              </a:lnSpc>
-              <a:spcBef>
-                <a:spcPct val="20000"/>
-              </a:spcBef>
-              <a:spcAft>
-                <a:spcPts val="0"/>
-              </a:spcAft>
-              <a:buClrTx/>
-              <a:buSzTx/>
-              <a:buFont typeface="Arial" pitchFamily="34" charset="0"/>
-              <a:buNone/>
-              <a:tabLst/>
-              <a:defRPr/>
-            </a:pPr>
-            <a:r>
-              <a:rPr kumimoji="0" lang="en-US" altLang="ko-KR" b="1" i="0" u="none" strike="noStrike" kern="1200" cap="none" spc="-20" normalizeH="0" baseline="0" noProof="0" dirty="0" smtClean="0">
-                <a:ln>
-                  <a:noFill/>
-                </a:ln>
-                <a:solidFill>
-                  <a:schemeClr val="bg1"/>
-                </a:solidFill>
-                <a:effectLst/>
-                <a:uLnTx/>
-                <a:uFillTx/>
-                <a:latin typeface="맑은 고딕" panose="020B0503020000020004" pitchFamily="50" charset="-127"/>
-                <a:ea typeface="맑은 고딕" panose="020B0503020000020004" pitchFamily="50" charset="-127"/>
-              </a:rPr>
-              <a:t>03  </a:t>
-            </a:r>
-            <a:r>
-              <a:rPr kumimoji="0" lang="ko-KR" altLang="en-US" b="1" i="0" u="none" strike="noStrike" kern="1200" cap="none" spc="-20" normalizeH="0" baseline="0" noProof="0" dirty="0" smtClean="0">
-                <a:ln>
-                  <a:noFill/>
-                </a:ln>
-                <a:solidFill>
-                  <a:schemeClr val="bg1"/>
-                </a:solidFill>
-                <a:effectLst/>
-                <a:uLnTx/>
-                <a:uFillTx/>
-                <a:latin typeface="맑은 고딕" panose="020B0503020000020004" pitchFamily="50" charset="-127"/>
-                <a:ea typeface="맑은 고딕" panose="020B0503020000020004" pitchFamily="50" charset="-127"/>
-              </a:rPr>
-              <a:t>초기 데이터 수집 결과</a:t>
-            </a:r>
-            <a:endParaRPr kumimoji="0" lang="en-US" altLang="ko-KR" b="1" i="0" u="none" strike="noStrike" kern="1200" cap="none" spc="-20" normalizeH="0" baseline="0" noProof="0" dirty="0">
-              <a:ln>
-                <a:noFill/>
-              </a:ln>
-              <a:solidFill>
-                <a:schemeClr val="bg1"/>
-              </a:solidFill>
-              <a:effectLst/>
-              <a:uLnTx/>
-              <a:uFillTx/>
-              <a:latin typeface="맑은 고딕" panose="020B0503020000020004" pitchFamily="50" charset="-127"/>
-              <a:ea typeface="맑은 고딕" panose="020B0503020000020004" pitchFamily="50" charset="-127"/>
-            </a:endParaRPr>
-          </a:p>
-        </p:txBody>
-      </p:sp>
-      <p:cxnSp>
-        <p:nvCxnSpPr>
-          <p:cNvPr id="32" name="직선 연결선 31"/>
-          <p:cNvCxnSpPr/>
-          <p:nvPr/>
-        </p:nvCxnSpPr>
-        <p:spPr>
-          <a:xfrm>
-            <a:off x="2771800" y="2564904"/>
-            <a:ext cx="2952328" cy="0"/>
-          </a:xfrm>
-          <a:prstGeom prst="line">
-            <a:avLst/>
-          </a:prstGeom>
-          <a:ln w="76200">
-            <a:solidFill>
-              <a:schemeClr val="bg1"/>
-            </a:solidFill>
-          </a:ln>
-        </p:spPr>
-        <p:style>
-          <a:lnRef idx="1">
-            <a:schemeClr val="accent1"/>
-          </a:lnRef>
-          <a:fillRef idx="0">
-            <a:schemeClr val="accent1"/>
-          </a:fillRef>
-          <a:effectRef idx="0">
-            <a:schemeClr val="accent1"/>
-          </a:effectRef>
-          <a:fontRef idx="minor">
-            <a:schemeClr val="tx1"/>
-          </a:fontRef>
-        </p:style>
-      </p:cxnSp>
-      <p:sp>
-        <p:nvSpPr>
-          <p:cNvPr id="47" name="부제목 2"/>
-          <p:cNvSpPr txBox="1">
-            <a:spLocks/>
-          </p:cNvSpPr>
-          <p:nvPr/>
-        </p:nvSpPr>
-        <p:spPr>
-          <a:xfrm>
-            <a:off x="2699792" y="609776"/>
-            <a:ext cx="3312368" cy="360040"/>
-          </a:xfrm>
-          <a:prstGeom prst="rect">
-            <a:avLst/>
-          </a:prstGeom>
-        </p:spPr>
-        <p:txBody>
-          <a:bodyPr vert="horz" lIns="91440" tIns="45720" rIns="91440" bIns="45720" rtlCol="0">
-            <a:noAutofit/>
-          </a:bodyPr>
-          <a:lstStyle/>
-          <a:p>
-            <a:pPr marL="0" marR="0" lvl="0" indent="0" algn="l" defTabSz="914400" rtl="0" eaLnBrk="1" fontAlgn="auto" latinLnBrk="1" hangingPunct="1">
-              <a:lnSpc>
-                <a:spcPct val="100000"/>
-              </a:lnSpc>
-              <a:spcBef>
-                <a:spcPct val="20000"/>
-              </a:spcBef>
-              <a:spcAft>
-                <a:spcPts val="0"/>
-              </a:spcAft>
-              <a:buClrTx/>
-              <a:buSzTx/>
-              <a:buFont typeface="Arial" pitchFamily="34" charset="0"/>
-              <a:buNone/>
-              <a:tabLst/>
-              <a:defRPr/>
-            </a:pPr>
-            <a:r>
-              <a:rPr kumimoji="0" lang="en-US" altLang="ko-KR" b="1" i="0" u="none" strike="noStrike" kern="1200" cap="none" spc="-20" normalizeH="0" baseline="0" noProof="0" dirty="0" smtClean="0">
-                <a:ln>
-                  <a:noFill/>
-                </a:ln>
-                <a:solidFill>
-                  <a:schemeClr val="bg1"/>
-                </a:solidFill>
-                <a:effectLst/>
-                <a:uLnTx/>
-                <a:uFillTx/>
-                <a:latin typeface="맑은 고딕" panose="020B0503020000020004" pitchFamily="50" charset="-127"/>
-                <a:ea typeface="맑은 고딕" panose="020B0503020000020004" pitchFamily="50" charset="-127"/>
-              </a:rPr>
-              <a:t>01</a:t>
-            </a:r>
-            <a:r>
-              <a:rPr kumimoji="0" lang="en-US" altLang="ko-KR" b="1" i="0" u="none" strike="noStrike" kern="1200" cap="none" spc="-20" normalizeH="0" noProof="0" dirty="0" smtClean="0">
-                <a:ln>
-                  <a:noFill/>
-                </a:ln>
-                <a:solidFill>
-                  <a:schemeClr val="bg1"/>
-                </a:solidFill>
-                <a:effectLst/>
-                <a:uLnTx/>
-                <a:uFillTx/>
-                <a:latin typeface="맑은 고딕" panose="020B0503020000020004" pitchFamily="50" charset="-127"/>
-                <a:ea typeface="맑은 고딕" panose="020B0503020000020004" pitchFamily="50" charset="-127"/>
-              </a:rPr>
-              <a:t>  </a:t>
-            </a:r>
-            <a:r>
-              <a:rPr kumimoji="0" lang="ko-KR" altLang="en-US" b="1" i="0" u="none" strike="noStrike" kern="1200" cap="none" spc="-20" normalizeH="0" noProof="0" dirty="0" smtClean="0">
-                <a:ln>
-                  <a:noFill/>
-                </a:ln>
-                <a:solidFill>
-                  <a:schemeClr val="bg1"/>
-                </a:solidFill>
-                <a:effectLst/>
-                <a:uLnTx/>
-                <a:uFillTx/>
-                <a:latin typeface="맑은 고딕" panose="020B0503020000020004" pitchFamily="50" charset="-127"/>
-                <a:ea typeface="맑은 고딕" panose="020B0503020000020004" pitchFamily="50" charset="-127"/>
-              </a:rPr>
-              <a:t>프로젝트 진행 결과</a:t>
-            </a:r>
-            <a:endParaRPr kumimoji="0" lang="en-US" altLang="ko-KR" b="1" i="0" u="none" strike="noStrike" kern="1200" cap="none" spc="-20" normalizeH="0" baseline="0" noProof="0" dirty="0">
-              <a:ln>
-                <a:noFill/>
-              </a:ln>
-              <a:solidFill>
-                <a:schemeClr val="bg1"/>
-              </a:solidFill>
-              <a:effectLst/>
-              <a:uLnTx/>
-              <a:uFillTx/>
-              <a:latin typeface="맑은 고딕" panose="020B0503020000020004" pitchFamily="50" charset="-127"/>
-              <a:ea typeface="맑은 고딕" panose="020B0503020000020004" pitchFamily="50" charset="-127"/>
-            </a:endParaRPr>
-          </a:p>
-        </p:txBody>
-      </p:sp>
-      <p:cxnSp>
-        <p:nvCxnSpPr>
-          <p:cNvPr id="49" name="직선 연결선 48"/>
-          <p:cNvCxnSpPr/>
-          <p:nvPr/>
-        </p:nvCxnSpPr>
-        <p:spPr>
-          <a:xfrm>
-            <a:off x="2771800" y="537768"/>
-            <a:ext cx="2952328" cy="0"/>
-          </a:xfrm>
-          <a:prstGeom prst="line">
-            <a:avLst/>
-          </a:prstGeom>
-          <a:ln w="76200">
-            <a:solidFill>
-              <a:schemeClr val="bg1"/>
-            </a:solidFill>
-          </a:ln>
-        </p:spPr>
-        <p:style>
-          <a:lnRef idx="1">
-            <a:schemeClr val="accent1"/>
-          </a:lnRef>
-          <a:fillRef idx="0">
-            <a:schemeClr val="accent1"/>
-          </a:fillRef>
-          <a:effectRef idx="0">
-            <a:schemeClr val="accent1"/>
-          </a:effectRef>
-          <a:fontRef idx="minor">
-            <a:schemeClr val="tx1"/>
-          </a:fontRef>
-        </p:style>
-      </p:cxnSp>
-      <p:cxnSp>
-        <p:nvCxnSpPr>
-          <p:cNvPr id="13" name="직선 연결선 12"/>
-          <p:cNvCxnSpPr/>
-          <p:nvPr/>
-        </p:nvCxnSpPr>
-        <p:spPr>
-          <a:xfrm>
-            <a:off x="2771800" y="2571246"/>
-            <a:ext cx="2952328" cy="0"/>
-          </a:xfrm>
-          <a:prstGeom prst="line">
-            <a:avLst/>
-          </a:prstGeom>
-          <a:ln w="76200">
-            <a:solidFill>
-              <a:schemeClr val="bg1"/>
-            </a:solidFill>
-          </a:ln>
-        </p:spPr>
-        <p:style>
-          <a:lnRef idx="1">
-            <a:schemeClr val="accent1"/>
-          </a:lnRef>
-          <a:fillRef idx="0">
-            <a:schemeClr val="accent1"/>
-          </a:fillRef>
-          <a:effectRef idx="0">
-            <a:schemeClr val="accent1"/>
-          </a:effectRef>
-          <a:fontRef idx="minor">
-            <a:schemeClr val="tx1"/>
-          </a:fontRef>
-        </p:style>
-      </p:cxnSp>
-      <p:sp>
-        <p:nvSpPr>
-          <p:cNvPr id="14" name="부제목 2"/>
-          <p:cNvSpPr txBox="1">
-            <a:spLocks/>
-          </p:cNvSpPr>
-          <p:nvPr/>
-        </p:nvSpPr>
-        <p:spPr>
-          <a:xfrm>
-            <a:off x="2699792" y="3610635"/>
-            <a:ext cx="3312368" cy="360040"/>
-          </a:xfrm>
-          <a:prstGeom prst="rect">
-            <a:avLst/>
-          </a:prstGeom>
-        </p:spPr>
-        <p:txBody>
-          <a:bodyPr vert="horz" lIns="91440" tIns="45720" rIns="91440" bIns="45720" rtlCol="0">
-            <a:noAutofit/>
-          </a:bodyPr>
-          <a:lstStyle/>
-          <a:p>
-            <a:pPr marL="0" marR="0" lvl="0" indent="0" algn="l" defTabSz="914400" rtl="0" eaLnBrk="1" fontAlgn="auto" latinLnBrk="1" hangingPunct="1">
-              <a:lnSpc>
-                <a:spcPct val="100000"/>
-              </a:lnSpc>
-              <a:spcBef>
-                <a:spcPct val="20000"/>
-              </a:spcBef>
-              <a:spcAft>
-                <a:spcPts val="0"/>
-              </a:spcAft>
-              <a:buClrTx/>
-              <a:buSzTx/>
-              <a:buFont typeface="Arial" pitchFamily="34" charset="0"/>
-              <a:buNone/>
-              <a:tabLst/>
-              <a:defRPr/>
-            </a:pPr>
-            <a:r>
-              <a:rPr kumimoji="0" lang="en-US" altLang="ko-KR" b="1" i="0" u="none" strike="noStrike" kern="1200" cap="none" spc="-20" normalizeH="0" baseline="0" noProof="0" dirty="0" smtClean="0">
-                <a:ln>
-                  <a:noFill/>
-                </a:ln>
-                <a:solidFill>
-                  <a:schemeClr val="bg1"/>
-                </a:solidFill>
-                <a:effectLst/>
-                <a:uLnTx/>
-                <a:uFillTx/>
-                <a:latin typeface="맑은 고딕" panose="020B0503020000020004" pitchFamily="50" charset="-127"/>
-                <a:ea typeface="맑은 고딕" panose="020B0503020000020004" pitchFamily="50" charset="-127"/>
-              </a:rPr>
-              <a:t>03  Q &amp; A</a:t>
-            </a:r>
-            <a:endParaRPr kumimoji="0" lang="en-US" altLang="ko-KR" b="1" i="0" u="none" strike="noStrike" kern="1200" cap="none" spc="-20" normalizeH="0" baseline="0" noProof="0" dirty="0">
-              <a:ln>
-                <a:noFill/>
-              </a:ln>
-              <a:solidFill>
-                <a:schemeClr val="bg1"/>
-              </a:solidFill>
-              <a:effectLst/>
-              <a:uLnTx/>
-              <a:uFillTx/>
-              <a:latin typeface="맑은 고딕" panose="020B0503020000020004" pitchFamily="50" charset="-127"/>
-              <a:ea typeface="맑은 고딕" panose="020B0503020000020004" pitchFamily="50" charset="-127"/>
-            </a:endParaRPr>
-          </a:p>
-        </p:txBody>
-      </p:sp>
-      <p:cxnSp>
-        <p:nvCxnSpPr>
-          <p:cNvPr id="15" name="직선 연결선 14"/>
-          <p:cNvCxnSpPr/>
-          <p:nvPr/>
-        </p:nvCxnSpPr>
-        <p:spPr>
-          <a:xfrm>
-            <a:off x="2771800" y="3538627"/>
-            <a:ext cx="2952328" cy="0"/>
-          </a:xfrm>
-          <a:prstGeom prst="line">
-            <a:avLst/>
-          </a:prstGeom>
-          <a:ln w="76200">
-            <a:solidFill>
-              <a:schemeClr val="bg1"/>
-            </a:solidFill>
-          </a:ln>
-        </p:spPr>
-        <p:style>
-          <a:lnRef idx="1">
-            <a:schemeClr val="accent1"/>
-          </a:lnRef>
-          <a:fillRef idx="0">
-            <a:schemeClr val="accent1"/>
-          </a:fillRef>
-          <a:effectRef idx="0">
-            <a:schemeClr val="accent1"/>
-          </a:effectRef>
-          <a:fontRef idx="minor">
-            <a:schemeClr val="tx1"/>
-          </a:fontRef>
-        </p:style>
-      </p:cxnSp>
-    </p:spTree>
-  </p:cSld>
-  <p:clrMapOvr>
-    <a:masterClrMapping/>
-  </p:clrMapOvr>
-  <p:timing>
-    <p:tnLst>
-      <p:par>
-        <p:cTn id="1" dur="indefinite" restart="never" nodeType="tmRoot"/>
-      </p:par>
-    </p:tnLst>
-  </p:timing>
-</p:sld>
-</file>
-
-<file path=ppt/slides/slide20.xml><?xml version="1.0" encoding="utf-8"?>
+<file path=ppt/slides/slide22.xml><?xml version="1.0" encoding="utf-8"?>
 <p:sld xmlns:a="http://schemas.openxmlformats.org/drawingml/2006/main" xmlns:r="http://schemas.openxmlformats.org/officeDocument/2006/relationships" xmlns:p="http://schemas.openxmlformats.org/presentationml/2006/main">
   <p:cSld>
     <p:spTree>
@@ -9614,7 +10480,7 @@
 </p:sld>
 </file>
 
-<file path=ppt/slides/slide21.xml><?xml version="1.0" encoding="utf-8"?>
+<file path=ppt/slides/slide23.xml><?xml version="1.0" encoding="utf-8"?>
 <p:sld xmlns:a="http://schemas.openxmlformats.org/drawingml/2006/main" xmlns:r="http://schemas.openxmlformats.org/officeDocument/2006/relationships" xmlns:p="http://schemas.openxmlformats.org/presentationml/2006/main">
   <p:cSld>
     <p:spTree>
@@ -10017,7 +10883,7 @@
 </p:sld>
 </file>
 
-<file path=ppt/slides/slide22.xml><?xml version="1.0" encoding="utf-8"?>
+<file path=ppt/slides/slide24.xml><?xml version="1.0" encoding="utf-8"?>
 <p:sld xmlns:a="http://schemas.openxmlformats.org/drawingml/2006/main" xmlns:r="http://schemas.openxmlformats.org/officeDocument/2006/relationships" xmlns:p="http://schemas.openxmlformats.org/presentationml/2006/main">
   <p:cSld>
     <p:spTree>
@@ -10245,7 +11111,7 @@
 </p:sld>
 </file>
 
-<file path=ppt/slides/slide23.xml><?xml version="1.0" encoding="utf-8"?>
+<file path=ppt/slides/slide25.xml><?xml version="1.0" encoding="utf-8"?>
 <p:sld xmlns:a="http://schemas.openxmlformats.org/drawingml/2006/main" xmlns:r="http://schemas.openxmlformats.org/officeDocument/2006/relationships" xmlns:p="http://schemas.openxmlformats.org/presentationml/2006/main">
   <p:cSld>
     <p:spTree>
@@ -11688,36 +12554,6 @@
           </a:p>
         </p:txBody>
       </p:sp>
-      <p:pic>
-        <p:nvPicPr>
-          <p:cNvPr id="12" name="그림 11"/>
-          <p:cNvPicPr>
-            <a:picLocks noChangeAspect="1"/>
-          </p:cNvPicPr>
-          <p:nvPr/>
-        </p:nvPicPr>
-        <p:blipFill>
-          <a:blip r:embed="rId3">
-            <a:extLst>
-              <a:ext uri="{28A0092B-C50C-407E-A947-70E740481C1C}">
-                <a14:useLocalDpi xmlns:a14="http://schemas.microsoft.com/office/drawing/2010/main" val="0"/>
-              </a:ext>
-            </a:extLst>
-          </a:blip>
-          <a:stretch>
-            <a:fillRect/>
-          </a:stretch>
-        </p:blipFill>
-        <p:spPr>
-          <a:xfrm>
-            <a:off x="2483768" y="1916832"/>
-            <a:ext cx="3990141" cy="3672408"/>
-          </a:xfrm>
-          <a:prstGeom prst="rect">
-            <a:avLst/>
-          </a:prstGeom>
-        </p:spPr>
-      </p:pic>
       <p:sp>
         <p:nvSpPr>
           <p:cNvPr id="13" name="직사각형 12"/>
@@ -11726,8 +12562,8 @@
         </p:nvSpPr>
         <p:spPr>
           <a:xfrm>
-            <a:off x="3359969" y="5733256"/>
-            <a:ext cx="2424061" cy="494494"/>
+            <a:off x="3588392" y="5733256"/>
+            <a:ext cx="1967205" cy="494494"/>
           </a:xfrm>
           <a:prstGeom prst="rect">
             <a:avLst/>
@@ -11745,7 +12581,7 @@
               </a:lnSpc>
             </a:pPr>
             <a:r>
-              <a:rPr lang="en-US" altLang="ko-KR" sz="2000" b="1" spc="-100" dirty="0" smtClean="0">
+              <a:rPr lang="ko-KR" altLang="en-US" sz="2000" b="1" spc="-100" dirty="0" smtClean="0">
                 <a:solidFill>
                   <a:srgbClr val="726868"/>
                 </a:solidFill>
@@ -11753,10 +12589,10 @@
                 <a:ea typeface="맑은 고딕" panose="020B0503020000020004" pitchFamily="50" charset="-127"/>
                 <a:cs typeface="+mj-cs"/>
               </a:rPr>
-              <a:t>1</a:t>
-            </a:r>
-            <a:r>
-              <a:rPr lang="ko-KR" altLang="en-US" sz="2000" b="1" spc="-100" dirty="0" smtClean="0">
+              <a:t>요구사항 </a:t>
+            </a:r>
+            <a:r>
+              <a:rPr lang="ko-KR" altLang="en-US" sz="2000" b="1" spc="-100" dirty="0" err="1" smtClean="0">
                 <a:solidFill>
                   <a:srgbClr val="726868"/>
                 </a:solidFill>
@@ -11764,7 +12600,7 @@
                 <a:ea typeface="맑은 고딕" panose="020B0503020000020004" pitchFamily="50" charset="-127"/>
                 <a:cs typeface="+mj-cs"/>
               </a:rPr>
-              <a:t>레벨 데이터 흐름도</a:t>
+              <a:t>정의표</a:t>
             </a:r>
             <a:endParaRPr lang="en-US" altLang="ko-KR" sz="2000" b="1" spc="-100" dirty="0" smtClean="0">
               <a:solidFill>
@@ -11777,10 +12613,34 @@
           </a:p>
         </p:txBody>
       </p:sp>
+      <p:pic>
+        <p:nvPicPr>
+          <p:cNvPr id="3" name="그림 2"/>
+          <p:cNvPicPr>
+            <a:picLocks noChangeAspect="1"/>
+          </p:cNvPicPr>
+          <p:nvPr/>
+        </p:nvPicPr>
+        <p:blipFill>
+          <a:blip r:embed="rId3"/>
+          <a:stretch>
+            <a:fillRect/>
+          </a:stretch>
+        </p:blipFill>
+        <p:spPr>
+          <a:xfrm>
+            <a:off x="1227128" y="2204864"/>
+            <a:ext cx="6689741" cy="3024336"/>
+          </a:xfrm>
+          <a:prstGeom prst="rect">
+            <a:avLst/>
+          </a:prstGeom>
+        </p:spPr>
+      </p:pic>
     </p:spTree>
     <p:extLst>
       <p:ext uri="{BB962C8B-B14F-4D97-AF65-F5344CB8AC3E}">
-        <p14:creationId xmlns:p14="http://schemas.microsoft.com/office/powerpoint/2010/main" val="2052623832"/>
+        <p14:creationId xmlns:p14="http://schemas.microsoft.com/office/powerpoint/2010/main" val="1809001437"/>
       </p:ext>
     </p:extLst>
   </p:cSld>
@@ -11976,7 +12836,7 @@
       </p:sp>
       <p:pic>
         <p:nvPicPr>
-          <p:cNvPr id="3" name="그림 2"/>
+          <p:cNvPr id="12" name="그림 11"/>
           <p:cNvPicPr>
             <a:picLocks noChangeAspect="1"/>
           </p:cNvPicPr>
@@ -11996,8 +12856,8 @@
         </p:blipFill>
         <p:spPr>
           <a:xfrm>
-            <a:off x="2828615" y="1916832"/>
-            <a:ext cx="3486769" cy="3672408"/>
+            <a:off x="2483768" y="1916832"/>
+            <a:ext cx="3990141" cy="3672408"/>
           </a:xfrm>
           <a:prstGeom prst="rect">
             <a:avLst/>
@@ -12006,14 +12866,14 @@
       </p:pic>
       <p:sp>
         <p:nvSpPr>
-          <p:cNvPr id="17" name="직사각형 16"/>
+          <p:cNvPr id="13" name="직사각형 12"/>
           <p:cNvSpPr/>
           <p:nvPr/>
         </p:nvSpPr>
         <p:spPr>
           <a:xfrm>
-            <a:off x="2717166" y="5733256"/>
-            <a:ext cx="3709669" cy="494494"/>
+            <a:off x="3359969" y="5733256"/>
+            <a:ext cx="2424061" cy="494494"/>
           </a:xfrm>
           <a:prstGeom prst="rect">
             <a:avLst/>
@@ -12031,7 +12891,7 @@
               </a:lnSpc>
             </a:pPr>
             <a:r>
-              <a:rPr lang="en-US" altLang="ko-KR" sz="2000" b="1" spc="-100" dirty="0">
+              <a:rPr lang="en-US" altLang="ko-KR" sz="2000" b="1" spc="-100" dirty="0" smtClean="0">
                 <a:solidFill>
                   <a:srgbClr val="726868"/>
                 </a:solidFill>
@@ -12039,7 +12899,7 @@
                 <a:ea typeface="맑은 고딕" panose="020B0503020000020004" pitchFamily="50" charset="-127"/>
                 <a:cs typeface="+mj-cs"/>
               </a:rPr>
-              <a:t>2</a:t>
+              <a:t>1</a:t>
             </a:r>
             <a:r>
               <a:rPr lang="ko-KR" altLang="en-US" sz="2000" b="1" spc="-100" dirty="0" smtClean="0">
@@ -12050,48 +12910,23 @@
                 <a:ea typeface="맑은 고딕" panose="020B0503020000020004" pitchFamily="50" charset="-127"/>
                 <a:cs typeface="+mj-cs"/>
               </a:rPr>
-              <a:t>레벨 데이터 흐름도 </a:t>
-            </a:r>
-            <a:r>
-              <a:rPr lang="en-US" altLang="ko-KR" sz="2000" b="1" spc="-100" dirty="0" smtClean="0">
-                <a:solidFill>
-                  <a:srgbClr val="726868"/>
-                </a:solidFill>
-                <a:latin typeface="맑은 고딕" panose="020B0503020000020004" pitchFamily="50" charset="-127"/>
-                <a:ea typeface="맑은 고딕" panose="020B0503020000020004" pitchFamily="50" charset="-127"/>
-                <a:cs typeface="+mj-cs"/>
-              </a:rPr>
-              <a:t>(</a:t>
-            </a:r>
-            <a:r>
-              <a:rPr lang="ko-KR" altLang="en-US" sz="2000" b="1" spc="-100" dirty="0" smtClean="0">
-                <a:solidFill>
-                  <a:srgbClr val="726868"/>
-                </a:solidFill>
-                <a:latin typeface="맑은 고딕" panose="020B0503020000020004" pitchFamily="50" charset="-127"/>
-                <a:ea typeface="맑은 고딕" panose="020B0503020000020004" pitchFamily="50" charset="-127"/>
-                <a:cs typeface="+mj-cs"/>
-              </a:rPr>
-              <a:t>회원 관리</a:t>
-            </a:r>
-            <a:r>
-              <a:rPr lang="en-US" altLang="ko-KR" sz="2000" b="1" spc="-100" dirty="0" smtClean="0">
-                <a:solidFill>
-                  <a:srgbClr val="726868"/>
-                </a:solidFill>
-                <a:latin typeface="맑은 고딕" panose="020B0503020000020004" pitchFamily="50" charset="-127"/>
-                <a:ea typeface="맑은 고딕" panose="020B0503020000020004" pitchFamily="50" charset="-127"/>
-                <a:cs typeface="+mj-cs"/>
-              </a:rPr>
-              <a:t>)</a:t>
-            </a:r>
+              <a:t>레벨 데이터 흐름도</a:t>
+            </a:r>
+            <a:endParaRPr lang="en-US" altLang="ko-KR" sz="2000" b="1" spc="-100" dirty="0" smtClean="0">
+              <a:solidFill>
+                <a:srgbClr val="726868"/>
+              </a:solidFill>
+              <a:latin typeface="맑은 고딕" panose="020B0503020000020004" pitchFamily="50" charset="-127"/>
+              <a:ea typeface="맑은 고딕" panose="020B0503020000020004" pitchFamily="50" charset="-127"/>
+              <a:cs typeface="+mj-cs"/>
+            </a:endParaRPr>
           </a:p>
         </p:txBody>
       </p:sp>
     </p:spTree>
     <p:extLst>
       <p:ext uri="{BB962C8B-B14F-4D97-AF65-F5344CB8AC3E}">
-        <p14:creationId xmlns:p14="http://schemas.microsoft.com/office/powerpoint/2010/main" val="4032316380"/>
+        <p14:creationId xmlns:p14="http://schemas.microsoft.com/office/powerpoint/2010/main" val="2052623832"/>
       </p:ext>
     </p:extLst>
   </p:cSld>
@@ -12287,7 +13122,7 @@
       </p:sp>
       <p:pic>
         <p:nvPicPr>
-          <p:cNvPr id="14" name="그림 13"/>
+          <p:cNvPr id="3" name="그림 2"/>
           <p:cNvPicPr>
             <a:picLocks noChangeAspect="1"/>
           </p:cNvPicPr>
@@ -12307,8 +13142,8 @@
         </p:blipFill>
         <p:spPr>
           <a:xfrm>
-            <a:off x="2317141" y="1988840"/>
-            <a:ext cx="4509717" cy="3672408"/>
+            <a:off x="2828615" y="1916832"/>
+            <a:ext cx="3486769" cy="3672408"/>
           </a:xfrm>
           <a:prstGeom prst="rect">
             <a:avLst/>
@@ -12317,14 +13152,14 @@
       </p:pic>
       <p:sp>
         <p:nvSpPr>
-          <p:cNvPr id="15" name="직사각형 14"/>
+          <p:cNvPr id="17" name="직사각형 16"/>
           <p:cNvSpPr/>
           <p:nvPr/>
         </p:nvSpPr>
         <p:spPr>
           <a:xfrm>
-            <a:off x="2435038" y="5733256"/>
-            <a:ext cx="4273926" cy="494494"/>
+            <a:off x="2717166" y="5733256"/>
+            <a:ext cx="3709669" cy="494494"/>
           </a:xfrm>
           <a:prstGeom prst="rect">
             <a:avLst/>
@@ -12383,7 +13218,7 @@
                 <a:ea typeface="맑은 고딕" panose="020B0503020000020004" pitchFamily="50" charset="-127"/>
                 <a:cs typeface="+mj-cs"/>
               </a:rPr>
-              <a:t>게임 정보 관리</a:t>
+              <a:t>회원 관리</a:t>
             </a:r>
             <a:r>
               <a:rPr lang="en-US" altLang="ko-KR" sz="2000" b="1" spc="-100" dirty="0" smtClean="0">
@@ -12402,7 +13237,7 @@
     </p:spTree>
     <p:extLst>
       <p:ext uri="{BB962C8B-B14F-4D97-AF65-F5344CB8AC3E}">
-        <p14:creationId xmlns:p14="http://schemas.microsoft.com/office/powerpoint/2010/main" val="1435785361"/>
+        <p14:creationId xmlns:p14="http://schemas.microsoft.com/office/powerpoint/2010/main" val="4032316380"/>
       </p:ext>
     </p:extLst>
   </p:cSld>
